--- a/Documents/ВКРБ Волосникова И.А. ИВТ-465.pptx
+++ b/Documents/ВКРБ Волосникова И.А. ИВТ-465.pptx
@@ -5,39 +5,35 @@
     <p:sldMasterId id="2147483648" r:id="rId1"/>
   </p:sldMasterIdLst>
   <p:notesMasterIdLst>
-    <p:notesMasterId r:id="rId32"/>
+    <p:notesMasterId r:id="rId28"/>
   </p:notesMasterIdLst>
   <p:sldIdLst>
     <p:sldId id="256" r:id="rId2"/>
     <p:sldId id="257" r:id="rId3"/>
     <p:sldId id="258" r:id="rId4"/>
-    <p:sldId id="283" r:id="rId5"/>
-    <p:sldId id="259" r:id="rId6"/>
-    <p:sldId id="260" r:id="rId7"/>
-    <p:sldId id="261" r:id="rId8"/>
-    <p:sldId id="262" r:id="rId9"/>
-    <p:sldId id="263" r:id="rId10"/>
-    <p:sldId id="285" r:id="rId11"/>
-    <p:sldId id="264" r:id="rId12"/>
-    <p:sldId id="265" r:id="rId13"/>
-    <p:sldId id="266" r:id="rId14"/>
-    <p:sldId id="267" r:id="rId15"/>
-    <p:sldId id="268" r:id="rId16"/>
-    <p:sldId id="286" r:id="rId17"/>
-    <p:sldId id="269" r:id="rId18"/>
-    <p:sldId id="279" r:id="rId19"/>
-    <p:sldId id="281" r:id="rId20"/>
-    <p:sldId id="270" r:id="rId21"/>
-    <p:sldId id="282" r:id="rId22"/>
-    <p:sldId id="288" r:id="rId23"/>
-    <p:sldId id="272" r:id="rId24"/>
-    <p:sldId id="289" r:id="rId25"/>
-    <p:sldId id="291" r:id="rId26"/>
-    <p:sldId id="292" r:id="rId27"/>
-    <p:sldId id="275" r:id="rId28"/>
-    <p:sldId id="276" r:id="rId29"/>
-    <p:sldId id="277" r:id="rId30"/>
-    <p:sldId id="295" r:id="rId31"/>
+    <p:sldId id="259" r:id="rId5"/>
+    <p:sldId id="260" r:id="rId6"/>
+    <p:sldId id="261" r:id="rId7"/>
+    <p:sldId id="262" r:id="rId8"/>
+    <p:sldId id="263" r:id="rId9"/>
+    <p:sldId id="264" r:id="rId10"/>
+    <p:sldId id="265" r:id="rId11"/>
+    <p:sldId id="266" r:id="rId12"/>
+    <p:sldId id="267" r:id="rId13"/>
+    <p:sldId id="268" r:id="rId14"/>
+    <p:sldId id="269" r:id="rId15"/>
+    <p:sldId id="279" r:id="rId16"/>
+    <p:sldId id="281" r:id="rId17"/>
+    <p:sldId id="270" r:id="rId18"/>
+    <p:sldId id="282" r:id="rId19"/>
+    <p:sldId id="272" r:id="rId20"/>
+    <p:sldId id="289" r:id="rId21"/>
+    <p:sldId id="291" r:id="rId22"/>
+    <p:sldId id="292" r:id="rId23"/>
+    <p:sldId id="275" r:id="rId24"/>
+    <p:sldId id="276" r:id="rId25"/>
+    <p:sldId id="277" r:id="rId26"/>
+    <p:sldId id="295" r:id="rId27"/>
   </p:sldIdLst>
   <p:sldSz cx="9144000" cy="6858000" type="screen4x3"/>
   <p:notesSz cx="6858000" cy="9144000"/>
@@ -222,7 +218,7 @@
             <a:fld id="{0DD9ECB1-919B-42C5-AA5F-B6FF93A13277}" type="datetimeFigureOut">
               <a:rPr lang="ru-RU" smtClean="0"/>
               <a:pPr/>
-              <a:t>15.05.2020</a:t>
+              <a:t>11.06.2020</a:t>
             </a:fld>
             <a:endParaRPr lang="ru-RU"/>
           </a:p>
@@ -679,7 +675,7 @@
             <a:fld id="{A8B7E666-62E4-4027-96F6-57B86E421368}" type="slidenum">
               <a:rPr lang="ru-RU" smtClean="0"/>
               <a:pPr/>
-              <a:t>9</a:t>
+              <a:t>8</a:t>
             </a:fld>
             <a:endParaRPr lang="ru-RU"/>
           </a:p>
@@ -761,7 +757,7 @@
             <a:fld id="{A8B7E666-62E4-4027-96F6-57B86E421368}" type="slidenum">
               <a:rPr lang="ru-RU" smtClean="0"/>
               <a:pPr/>
-              <a:t>11</a:t>
+              <a:t>9</a:t>
             </a:fld>
             <a:endParaRPr lang="ru-RU"/>
           </a:p>
@@ -863,7 +859,7 @@
             <a:fld id="{A8B7E666-62E4-4027-96F6-57B86E421368}" type="slidenum">
               <a:rPr lang="ru-RU" smtClean="0"/>
               <a:pPr/>
-              <a:t>13</a:t>
+              <a:t>11</a:t>
             </a:fld>
             <a:endParaRPr lang="ru-RU"/>
           </a:p>
@@ -945,7 +941,7 @@
             <a:fld id="{A8B7E666-62E4-4027-96F6-57B86E421368}" type="slidenum">
               <a:rPr lang="ru-RU" smtClean="0"/>
               <a:pPr/>
-              <a:t>19</a:t>
+              <a:t>16</a:t>
             </a:fld>
             <a:endParaRPr lang="ru-RU"/>
           </a:p>
@@ -1027,7 +1023,7 @@
             <a:fld id="{A8B7E666-62E4-4027-96F6-57B86E421368}" type="slidenum">
               <a:rPr lang="ru-RU" smtClean="0"/>
               <a:pPr/>
-              <a:t>24</a:t>
+              <a:t>20</a:t>
             </a:fld>
             <a:endParaRPr lang="ru-RU"/>
           </a:p>
@@ -1109,7 +1105,7 @@
             <a:fld id="{A8B7E666-62E4-4027-96F6-57B86E421368}" type="slidenum">
               <a:rPr lang="ru-RU" smtClean="0"/>
               <a:pPr/>
-              <a:t>27</a:t>
+              <a:t>23</a:t>
             </a:fld>
             <a:endParaRPr lang="ru-RU"/>
           </a:p>
@@ -1191,7 +1187,7 @@
             <a:fld id="{A8B7E666-62E4-4027-96F6-57B86E421368}" type="slidenum">
               <a:rPr lang="ru-RU" smtClean="0"/>
               <a:pPr/>
-              <a:t>30</a:t>
+              <a:t>26</a:t>
             </a:fld>
             <a:endParaRPr lang="ru-RU"/>
           </a:p>
@@ -1387,7 +1383,7 @@
             <a:fld id="{F092506C-4A27-4990-AB3D-92272210FEE6}" type="datetime1">
               <a:rPr lang="ru-RU" smtClean="0"/>
               <a:pPr/>
-              <a:t>15.05.2020</a:t>
+              <a:t>11.06.2020</a:t>
             </a:fld>
             <a:endParaRPr lang="ru-RU"/>
           </a:p>
@@ -1554,7 +1550,7 @@
             <a:fld id="{68E2F2FF-F39C-4228-8E5B-4863C172CF95}" type="datetime1">
               <a:rPr lang="ru-RU" smtClean="0"/>
               <a:pPr/>
-              <a:t>15.05.2020</a:t>
+              <a:t>11.06.2020</a:t>
             </a:fld>
             <a:endParaRPr lang="ru-RU"/>
           </a:p>
@@ -1731,7 +1727,7 @@
             <a:fld id="{536CF935-D04E-411F-A279-98DE6B6A4C79}" type="datetime1">
               <a:rPr lang="ru-RU" smtClean="0"/>
               <a:pPr/>
-              <a:t>15.05.2020</a:t>
+              <a:t>11.06.2020</a:t>
             </a:fld>
             <a:endParaRPr lang="ru-RU"/>
           </a:p>
@@ -1898,7 +1894,7 @@
             <a:fld id="{620B8C50-CA2F-4B04-93DF-FD6D1ABA950F}" type="datetime1">
               <a:rPr lang="ru-RU" smtClean="0"/>
               <a:pPr/>
-              <a:t>15.05.2020</a:t>
+              <a:t>11.06.2020</a:t>
             </a:fld>
             <a:endParaRPr lang="ru-RU"/>
           </a:p>
@@ -2141,7 +2137,7 @@
             <a:fld id="{53353F56-B052-45D1-B20C-2777091927D8}" type="datetime1">
               <a:rPr lang="ru-RU" smtClean="0"/>
               <a:pPr/>
-              <a:t>15.05.2020</a:t>
+              <a:t>11.06.2020</a:t>
             </a:fld>
             <a:endParaRPr lang="ru-RU"/>
           </a:p>
@@ -2426,7 +2422,7 @@
             <a:fld id="{97E2417F-4EFB-465B-B459-8B01ECA45824}" type="datetime1">
               <a:rPr lang="ru-RU" smtClean="0"/>
               <a:pPr/>
-              <a:t>15.05.2020</a:t>
+              <a:t>11.06.2020</a:t>
             </a:fld>
             <a:endParaRPr lang="ru-RU"/>
           </a:p>
@@ -2845,7 +2841,7 @@
             <a:fld id="{E2399177-D18A-46D3-8A9C-7FC4205B814D}" type="datetime1">
               <a:rPr lang="ru-RU" smtClean="0"/>
               <a:pPr/>
-              <a:t>15.05.2020</a:t>
+              <a:t>11.06.2020</a:t>
             </a:fld>
             <a:endParaRPr lang="ru-RU"/>
           </a:p>
@@ -2960,7 +2956,7 @@
             <a:fld id="{9058A6C9-CF17-437D-8636-873DF23AB0D2}" type="datetime1">
               <a:rPr lang="ru-RU" smtClean="0"/>
               <a:pPr/>
-              <a:t>15.05.2020</a:t>
+              <a:t>11.06.2020</a:t>
             </a:fld>
             <a:endParaRPr lang="ru-RU"/>
           </a:p>
@@ -3052,7 +3048,7 @@
             <a:fld id="{F7482696-4A38-45CE-9CCD-98F9B3C1691C}" type="datetime1">
               <a:rPr lang="ru-RU" smtClean="0"/>
               <a:pPr/>
-              <a:t>15.05.2020</a:t>
+              <a:t>11.06.2020</a:t>
             </a:fld>
             <a:endParaRPr lang="ru-RU"/>
           </a:p>
@@ -3326,7 +3322,7 @@
             <a:fld id="{90CEF76D-F0F4-417A-9B36-B11D5FA36E3D}" type="datetime1">
               <a:rPr lang="ru-RU" smtClean="0"/>
               <a:pPr/>
-              <a:t>15.05.2020</a:t>
+              <a:t>11.06.2020</a:t>
             </a:fld>
             <a:endParaRPr lang="ru-RU"/>
           </a:p>
@@ -3576,7 +3572,7 @@
             <a:fld id="{BF2655C9-6E5B-4CA2-AFAF-B94C96F5874E}" type="datetime1">
               <a:rPr lang="ru-RU" smtClean="0"/>
               <a:pPr/>
-              <a:t>15.05.2020</a:t>
+              <a:t>11.06.2020</a:t>
             </a:fld>
             <a:endParaRPr lang="ru-RU"/>
           </a:p>
@@ -3786,7 +3782,7 @@
             <a:fld id="{BCDE239A-CCFF-48A9-96E0-D03DD82855C1}" type="datetime1">
               <a:rPr lang="ru-RU" smtClean="0"/>
               <a:pPr/>
-              <a:t>15.05.2020</a:t>
+              <a:t>11.06.2020</a:t>
             </a:fld>
             <a:endParaRPr lang="ru-RU"/>
           </a:p>
@@ -4374,33 +4370,17 @@
             <p:ph type="title"/>
           </p:nvPr>
         </p:nvSpPr>
-        <p:spPr>
-          <a:xfrm>
-            <a:off x="457200" y="2000240"/>
-            <a:ext cx="8229600" cy="2428892"/>
-          </a:xfrm>
-        </p:spPr>
+        <p:spPr/>
         <p:txBody>
           <a:bodyPr>
-            <a:normAutofit/>
+            <a:normAutofit fontScale="90000"/>
           </a:bodyPr>
           <a:lstStyle/>
           <a:p>
             <a:r>
               <a:rPr lang="ru-RU" dirty="0" smtClean="0"/>
-              <a:t>2. Разработка алгоритмов генерации 2</a:t>
-            </a:r>
-            <a:r>
-              <a:rPr lang="en-US" dirty="0" smtClean="0"/>
-              <a:t>D </a:t>
-            </a:r>
-            <a:r>
-              <a:rPr lang="ru-RU" dirty="0" smtClean="0"/>
-              <a:t>маршрута</a:t>
-            </a:r>
-            <a:br>
-              <a:rPr lang="ru-RU" dirty="0" smtClean="0"/>
-            </a:br>
+              <a:t>Разработка алгоритмов построения графа</a:t>
+            </a:r>
             <a:endParaRPr lang="ru-RU" dirty="0"/>
           </a:p>
         </p:txBody>
@@ -4424,642 +4404,6 @@
               <a:rPr lang="ru-RU" smtClean="0"/>
               <a:pPr/>
               <a:t>10</a:t>
-            </a:fld>
-            <a:endParaRPr lang="ru-RU"/>
-          </a:p>
-        </p:txBody>
-      </p:sp>
-    </p:spTree>
-  </p:cSld>
-  <p:clrMapOvr>
-    <a:masterClrMapping/>
-  </p:clrMapOvr>
-  <p:timing>
-    <p:tnLst>
-      <p:par>
-        <p:cTn id="1" dur="indefinite" restart="never" nodeType="tmRoot"/>
-      </p:par>
-    </p:tnLst>
-  </p:timing>
-</p:sld>
-</file>
-
-<file path=ppt/slides/slide11.xml><?xml version="1.0" encoding="utf-8"?>
-<p:sld xmlns:a="http://schemas.openxmlformats.org/drawingml/2006/main" xmlns:r="http://schemas.openxmlformats.org/officeDocument/2006/relationships" xmlns:p="http://schemas.openxmlformats.org/presentationml/2006/main">
-  <p:cSld>
-    <p:spTree>
-      <p:nvGrpSpPr>
-        <p:cNvPr id="1" name=""/>
-        <p:cNvGrpSpPr/>
-        <p:nvPr/>
-      </p:nvGrpSpPr>
-      <p:grpSpPr>
-        <a:xfrm>
-          <a:off x="0" y="0"/>
-          <a:ext cx="0" cy="0"/>
-          <a:chOff x="0" y="0"/>
-          <a:chExt cx="0" cy="0"/>
-        </a:xfrm>
-      </p:grpSpPr>
-      <p:sp>
-        <p:nvSpPr>
-          <p:cNvPr id="2" name="Заголовок 1"/>
-          <p:cNvSpPr>
-            <a:spLocks noGrp="1"/>
-          </p:cNvSpPr>
-          <p:nvPr>
-            <p:ph type="title"/>
-          </p:nvPr>
-        </p:nvSpPr>
-        <p:spPr/>
-        <p:txBody>
-          <a:bodyPr>
-            <a:normAutofit fontScale="90000"/>
-          </a:bodyPr>
-          <a:lstStyle/>
-          <a:p>
-            <a:r>
-              <a:rPr lang="ru-RU" dirty="0" smtClean="0"/>
-              <a:t>Формализация этапов генерации 2</a:t>
-            </a:r>
-            <a:r>
-              <a:rPr lang="en-US" dirty="0" smtClean="0"/>
-              <a:t>D</a:t>
-            </a:r>
-            <a:r>
-              <a:rPr lang="ru-RU" dirty="0" smtClean="0"/>
-              <a:t> маршрута</a:t>
-            </a:r>
-            <a:endParaRPr lang="ru-RU" dirty="0"/>
-          </a:p>
-        </p:txBody>
-      </p:sp>
-      <p:sp>
-        <p:nvSpPr>
-          <p:cNvPr id="4" name="Номер слайда 3"/>
-          <p:cNvSpPr>
-            <a:spLocks noGrp="1"/>
-          </p:cNvSpPr>
-          <p:nvPr>
-            <p:ph type="sldNum" sz="quarter" idx="12"/>
-          </p:nvPr>
-        </p:nvSpPr>
-        <p:spPr/>
-        <p:txBody>
-          <a:bodyPr/>
-          <a:lstStyle/>
-          <a:p>
-            <a:fld id="{3DCB63D9-3FD3-4C3B-A045-98BC1BB0B6C2}" type="slidenum">
-              <a:rPr lang="ru-RU" smtClean="0"/>
-              <a:pPr/>
-              <a:t>11</a:t>
-            </a:fld>
-            <a:endParaRPr lang="ru-RU"/>
-          </a:p>
-        </p:txBody>
-      </p:sp>
-      <p:pic>
-        <p:nvPicPr>
-          <p:cNvPr id="6" name="Рисунок 5"/>
-          <p:cNvPicPr/>
-          <p:nvPr/>
-        </p:nvPicPr>
-        <p:blipFill>
-          <a:blip r:embed="rId3"/>
-          <a:srcRect/>
-          <a:stretch>
-            <a:fillRect/>
-          </a:stretch>
-        </p:blipFill>
-        <p:spPr bwMode="auto">
-          <a:xfrm>
-            <a:off x="4857752" y="1571612"/>
-            <a:ext cx="3643338" cy="2000264"/>
-          </a:xfrm>
-          <a:prstGeom prst="rect">
-            <a:avLst/>
-          </a:prstGeom>
-          <a:noFill/>
-        </p:spPr>
-      </p:pic>
-      <p:cxnSp>
-        <p:nvCxnSpPr>
-          <p:cNvPr id="8" name="Прямая со стрелкой 7"/>
-          <p:cNvCxnSpPr>
-            <a:stCxn id="11" idx="3"/>
-            <a:endCxn id="6" idx="1"/>
-          </p:cNvCxnSpPr>
-          <p:nvPr/>
-        </p:nvCxnSpPr>
-        <p:spPr>
-          <a:xfrm flipV="1">
-            <a:off x="4000496" y="2571744"/>
-            <a:ext cx="857256" cy="1213"/>
-          </a:xfrm>
-          <a:prstGeom prst="straightConnector1">
-            <a:avLst/>
-          </a:prstGeom>
-          <a:ln>
-            <a:tailEnd type="arrow"/>
-          </a:ln>
-        </p:spPr>
-        <p:style>
-          <a:lnRef idx="1">
-            <a:schemeClr val="accent1"/>
-          </a:lnRef>
-          <a:fillRef idx="0">
-            <a:schemeClr val="accent1"/>
-          </a:fillRef>
-          <a:effectRef idx="0">
-            <a:schemeClr val="accent1"/>
-          </a:effectRef>
-          <a:fontRef idx="minor">
-            <a:schemeClr val="tx1"/>
-          </a:fontRef>
-        </p:style>
-      </p:cxnSp>
-      <p:cxnSp>
-        <p:nvCxnSpPr>
-          <p:cNvPr id="32" name="Прямая со стрелкой 31"/>
-          <p:cNvCxnSpPr>
-            <a:stCxn id="19" idx="1"/>
-            <a:endCxn id="29" idx="3"/>
-          </p:cNvCxnSpPr>
-          <p:nvPr/>
-        </p:nvCxnSpPr>
-        <p:spPr>
-          <a:xfrm rot="10800000">
-            <a:off x="4071934" y="5179231"/>
-            <a:ext cx="857256" cy="1588"/>
-          </a:xfrm>
-          <a:prstGeom prst="straightConnector1">
-            <a:avLst/>
-          </a:prstGeom>
-          <a:ln>
-            <a:tailEnd type="arrow"/>
-          </a:ln>
-        </p:spPr>
-        <p:style>
-          <a:lnRef idx="1">
-            <a:schemeClr val="accent1"/>
-          </a:lnRef>
-          <a:fillRef idx="0">
-            <a:schemeClr val="accent1"/>
-          </a:fillRef>
-          <a:effectRef idx="0">
-            <a:schemeClr val="accent1"/>
-          </a:effectRef>
-          <a:fontRef idx="minor">
-            <a:schemeClr val="tx1"/>
-          </a:fontRef>
-        </p:style>
-      </p:cxnSp>
-      <p:pic>
-        <p:nvPicPr>
-          <p:cNvPr id="11" name="Рисунок 10"/>
-          <p:cNvPicPr/>
-          <p:nvPr/>
-        </p:nvPicPr>
-        <p:blipFill>
-          <a:blip r:embed="rId4"/>
-          <a:srcRect/>
-          <a:stretch>
-            <a:fillRect/>
-          </a:stretch>
-        </p:blipFill>
-        <p:spPr bwMode="auto">
-          <a:xfrm>
-            <a:off x="642910" y="1571612"/>
-            <a:ext cx="3357586" cy="2002689"/>
-          </a:xfrm>
-          <a:prstGeom prst="rect">
-            <a:avLst/>
-          </a:prstGeom>
-          <a:noFill/>
-          <a:ln w="9525">
-            <a:noFill/>
-            <a:miter lim="800000"/>
-            <a:headEnd/>
-            <a:tailEnd/>
-          </a:ln>
-        </p:spPr>
-      </p:pic>
-      <p:sp>
-        <p:nvSpPr>
-          <p:cNvPr id="12" name="Содержимое 2"/>
-          <p:cNvSpPr txBox="1">
-            <a:spLocks/>
-          </p:cNvSpPr>
-          <p:nvPr/>
-        </p:nvSpPr>
-        <p:spPr>
-          <a:xfrm>
-            <a:off x="1071538" y="3714752"/>
-            <a:ext cx="2428892" cy="357190"/>
-          </a:xfrm>
-          <a:prstGeom prst="rect">
-            <a:avLst/>
-          </a:prstGeom>
-        </p:spPr>
-        <p:txBody>
-          <a:bodyPr vert="horz" lIns="91440" tIns="45720" rIns="91440" bIns="45720" rtlCol="0">
-            <a:normAutofit fontScale="55000" lnSpcReduction="20000"/>
-          </a:bodyPr>
-          <a:lstStyle/>
-          <a:p>
-            <a:pPr marL="342900" marR="0" lvl="0" indent="-342900" algn="ctr" defTabSz="914400" rtl="0" eaLnBrk="1" fontAlgn="auto" latinLnBrk="0" hangingPunct="1">
-              <a:lnSpc>
-                <a:spcPct val="100000"/>
-              </a:lnSpc>
-              <a:spcBef>
-                <a:spcPct val="20000"/>
-              </a:spcBef>
-              <a:spcAft>
-                <a:spcPts val="0"/>
-              </a:spcAft>
-              <a:buClrTx/>
-              <a:buSzTx/>
-              <a:buFont typeface="Arial" pitchFamily="34" charset="0"/>
-              <a:buNone/>
-              <a:tabLst/>
-              <a:defRPr/>
-            </a:pPr>
-            <a:r>
-              <a:rPr lang="ru-RU" sz="3200" dirty="0" smtClean="0"/>
-              <a:t>Модель пространства</a:t>
-            </a:r>
-            <a:endParaRPr kumimoji="0" lang="ru-RU" sz="3200" b="0" i="0" u="none" strike="noStrike" kern="1200" cap="none" spc="0" normalizeH="0" baseline="0" noProof="0" dirty="0" smtClean="0">
-              <a:ln>
-                <a:noFill/>
-              </a:ln>
-              <a:solidFill>
-                <a:schemeClr val="tx1"/>
-              </a:solidFill>
-              <a:effectLst/>
-              <a:uLnTx/>
-              <a:uFillTx/>
-              <a:latin typeface="+mn-lt"/>
-              <a:ea typeface="+mn-ea"/>
-              <a:cs typeface="+mn-cs"/>
-            </a:endParaRPr>
-          </a:p>
-        </p:txBody>
-      </p:sp>
-      <p:sp>
-        <p:nvSpPr>
-          <p:cNvPr id="18" name="Содержимое 2"/>
-          <p:cNvSpPr txBox="1">
-            <a:spLocks/>
-          </p:cNvSpPr>
-          <p:nvPr/>
-        </p:nvSpPr>
-        <p:spPr>
-          <a:xfrm>
-            <a:off x="4500562" y="3643314"/>
-            <a:ext cx="4357718" cy="285752"/>
-          </a:xfrm>
-          <a:prstGeom prst="rect">
-            <a:avLst/>
-          </a:prstGeom>
-        </p:spPr>
-        <p:txBody>
-          <a:bodyPr vert="horz" lIns="91440" tIns="45720" rIns="91440" bIns="45720" rtlCol="0">
-            <a:noAutofit/>
-          </a:bodyPr>
-          <a:lstStyle/>
-          <a:p>
-            <a:pPr marL="342900" marR="0" lvl="0" indent="-342900" algn="ctr" defTabSz="914400" rtl="0" eaLnBrk="1" fontAlgn="auto" latinLnBrk="0" hangingPunct="1">
-              <a:lnSpc>
-                <a:spcPct val="100000"/>
-              </a:lnSpc>
-              <a:spcBef>
-                <a:spcPct val="20000"/>
-              </a:spcBef>
-              <a:spcAft>
-                <a:spcPts val="0"/>
-              </a:spcAft>
-              <a:buClrTx/>
-              <a:buSzTx/>
-              <a:buFont typeface="Arial" pitchFamily="34" charset="0"/>
-              <a:buNone/>
-              <a:tabLst/>
-              <a:defRPr/>
-            </a:pPr>
-            <a:r>
-              <a:rPr lang="ru-RU" dirty="0" smtClean="0"/>
-              <a:t>Формализация пространства в виде графа</a:t>
-            </a:r>
-            <a:endParaRPr kumimoji="0" lang="ru-RU" b="0" i="0" u="none" strike="noStrike" kern="1200" cap="none" spc="0" normalizeH="0" baseline="0" noProof="0" dirty="0" smtClean="0">
-              <a:ln>
-                <a:noFill/>
-              </a:ln>
-              <a:solidFill>
-                <a:schemeClr val="tx1"/>
-              </a:solidFill>
-              <a:effectLst/>
-              <a:uLnTx/>
-              <a:uFillTx/>
-              <a:latin typeface="+mn-lt"/>
-              <a:ea typeface="+mn-ea"/>
-              <a:cs typeface="+mn-cs"/>
-            </a:endParaRPr>
-          </a:p>
-        </p:txBody>
-      </p:sp>
-      <p:pic>
-        <p:nvPicPr>
-          <p:cNvPr id="19" name="Рисунок 18"/>
-          <p:cNvPicPr/>
-          <p:nvPr/>
-        </p:nvPicPr>
-        <p:blipFill>
-          <a:blip r:embed="rId5"/>
-          <a:srcRect/>
-          <a:stretch>
-            <a:fillRect/>
-          </a:stretch>
-        </p:blipFill>
-        <p:spPr bwMode="auto">
-          <a:xfrm>
-            <a:off x="4929190" y="4214818"/>
-            <a:ext cx="3500462" cy="1928826"/>
-          </a:xfrm>
-          <a:prstGeom prst="rect">
-            <a:avLst/>
-          </a:prstGeom>
-          <a:noFill/>
-          <a:ln w="9525">
-            <a:noFill/>
-            <a:miter lim="800000"/>
-            <a:headEnd/>
-            <a:tailEnd/>
-          </a:ln>
-        </p:spPr>
-      </p:pic>
-      <p:sp>
-        <p:nvSpPr>
-          <p:cNvPr id="27" name="Содержимое 2"/>
-          <p:cNvSpPr txBox="1">
-            <a:spLocks/>
-          </p:cNvSpPr>
-          <p:nvPr/>
-        </p:nvSpPr>
-        <p:spPr>
-          <a:xfrm>
-            <a:off x="5214942" y="6357958"/>
-            <a:ext cx="3071834" cy="285752"/>
-          </a:xfrm>
-          <a:prstGeom prst="rect">
-            <a:avLst/>
-          </a:prstGeom>
-        </p:spPr>
-        <p:txBody>
-          <a:bodyPr vert="horz" lIns="91440" tIns="45720" rIns="91440" bIns="45720" rtlCol="0">
-            <a:noAutofit/>
-          </a:bodyPr>
-          <a:lstStyle/>
-          <a:p>
-            <a:pPr marL="342900" marR="0" lvl="0" indent="-342900" algn="ctr" defTabSz="914400" rtl="0" eaLnBrk="1" fontAlgn="auto" latinLnBrk="0" hangingPunct="1">
-              <a:lnSpc>
-                <a:spcPct val="100000"/>
-              </a:lnSpc>
-              <a:spcBef>
-                <a:spcPct val="20000"/>
-              </a:spcBef>
-              <a:spcAft>
-                <a:spcPts val="0"/>
-              </a:spcAft>
-              <a:buClrTx/>
-              <a:buSzTx/>
-              <a:buFont typeface="Arial" pitchFamily="34" charset="0"/>
-              <a:buNone/>
-              <a:tabLst/>
-              <a:defRPr/>
-            </a:pPr>
-            <a:r>
-              <a:rPr lang="ru-RU" dirty="0" smtClean="0"/>
-              <a:t>Нахождение пути на графе</a:t>
-            </a:r>
-            <a:endParaRPr kumimoji="0" lang="ru-RU" b="0" i="0" u="none" strike="noStrike" kern="1200" cap="none" spc="0" normalizeH="0" baseline="0" noProof="0" dirty="0" smtClean="0">
-              <a:ln>
-                <a:noFill/>
-              </a:ln>
-              <a:solidFill>
-                <a:schemeClr val="tx1"/>
-              </a:solidFill>
-              <a:effectLst/>
-              <a:uLnTx/>
-              <a:uFillTx/>
-              <a:latin typeface="+mn-lt"/>
-              <a:ea typeface="+mn-ea"/>
-              <a:cs typeface="+mn-cs"/>
-            </a:endParaRPr>
-          </a:p>
-        </p:txBody>
-      </p:sp>
-      <p:sp>
-        <p:nvSpPr>
-          <p:cNvPr id="28" name="Содержимое 2"/>
-          <p:cNvSpPr txBox="1">
-            <a:spLocks/>
-          </p:cNvSpPr>
-          <p:nvPr/>
-        </p:nvSpPr>
-        <p:spPr>
-          <a:xfrm>
-            <a:off x="785786" y="6357958"/>
-            <a:ext cx="3071834" cy="285752"/>
-          </a:xfrm>
-          <a:prstGeom prst="rect">
-            <a:avLst/>
-          </a:prstGeom>
-        </p:spPr>
-        <p:txBody>
-          <a:bodyPr vert="horz" lIns="91440" tIns="45720" rIns="91440" bIns="45720" rtlCol="0">
-            <a:noAutofit/>
-          </a:bodyPr>
-          <a:lstStyle/>
-          <a:p>
-            <a:pPr marL="342900" marR="0" lvl="0" indent="-342900" algn="ctr" defTabSz="914400" rtl="0" eaLnBrk="1" fontAlgn="auto" latinLnBrk="0" hangingPunct="1">
-              <a:lnSpc>
-                <a:spcPct val="100000"/>
-              </a:lnSpc>
-              <a:spcBef>
-                <a:spcPct val="20000"/>
-              </a:spcBef>
-              <a:spcAft>
-                <a:spcPts val="0"/>
-              </a:spcAft>
-              <a:buClrTx/>
-              <a:buSzTx/>
-              <a:buFont typeface="Arial" pitchFamily="34" charset="0"/>
-              <a:buNone/>
-              <a:tabLst/>
-              <a:defRPr/>
-            </a:pPr>
-            <a:r>
-              <a:rPr lang="ru-RU" dirty="0" smtClean="0"/>
-              <a:t>Визуализация маршрута</a:t>
-            </a:r>
-            <a:endParaRPr kumimoji="0" lang="ru-RU" b="0" i="0" u="none" strike="noStrike" kern="1200" cap="none" spc="0" normalizeH="0" baseline="0" noProof="0" dirty="0" smtClean="0">
-              <a:ln>
-                <a:noFill/>
-              </a:ln>
-              <a:solidFill>
-                <a:schemeClr val="tx1"/>
-              </a:solidFill>
-              <a:effectLst/>
-              <a:uLnTx/>
-              <a:uFillTx/>
-              <a:latin typeface="+mn-lt"/>
-              <a:ea typeface="+mn-ea"/>
-              <a:cs typeface="+mn-cs"/>
-            </a:endParaRPr>
-          </a:p>
-        </p:txBody>
-      </p:sp>
-      <p:pic>
-        <p:nvPicPr>
-          <p:cNvPr id="29" name="Рисунок 28"/>
-          <p:cNvPicPr/>
-          <p:nvPr/>
-        </p:nvPicPr>
-        <p:blipFill>
-          <a:blip r:embed="rId6"/>
-          <a:srcRect/>
-          <a:stretch>
-            <a:fillRect/>
-          </a:stretch>
-        </p:blipFill>
-        <p:spPr bwMode="auto">
-          <a:xfrm>
-            <a:off x="571472" y="3929066"/>
-            <a:ext cx="3500462" cy="2500330"/>
-          </a:xfrm>
-          <a:prstGeom prst="rect">
-            <a:avLst/>
-          </a:prstGeom>
-          <a:noFill/>
-          <a:ln w="9525">
-            <a:noFill/>
-            <a:miter lim="800000"/>
-            <a:headEnd/>
-            <a:tailEnd/>
-          </a:ln>
-        </p:spPr>
-      </p:pic>
-      <p:cxnSp>
-        <p:nvCxnSpPr>
-          <p:cNvPr id="37" name="Прямая со стрелкой 36"/>
-          <p:cNvCxnSpPr>
-            <a:stCxn id="6" idx="2"/>
-            <a:endCxn id="19" idx="0"/>
-          </p:cNvCxnSpPr>
-          <p:nvPr/>
-        </p:nvCxnSpPr>
-        <p:spPr>
-          <a:xfrm rot="5400000">
-            <a:off x="6357950" y="3893347"/>
-            <a:ext cx="642942" cy="1588"/>
-          </a:xfrm>
-          <a:prstGeom prst="straightConnector1">
-            <a:avLst/>
-          </a:prstGeom>
-          <a:ln>
-            <a:tailEnd type="arrow"/>
-          </a:ln>
-        </p:spPr>
-        <p:style>
-          <a:lnRef idx="1">
-            <a:schemeClr val="accent1"/>
-          </a:lnRef>
-          <a:fillRef idx="0">
-            <a:schemeClr val="accent1"/>
-          </a:fillRef>
-          <a:effectRef idx="0">
-            <a:schemeClr val="accent1"/>
-          </a:effectRef>
-          <a:fontRef idx="minor">
-            <a:schemeClr val="tx1"/>
-          </a:fontRef>
-        </p:style>
-      </p:cxnSp>
-    </p:spTree>
-  </p:cSld>
-  <p:clrMapOvr>
-    <a:masterClrMapping/>
-  </p:clrMapOvr>
-  <p:timing>
-    <p:tnLst>
-      <p:par>
-        <p:cTn id="1" dur="indefinite" restart="never" nodeType="tmRoot"/>
-      </p:par>
-    </p:tnLst>
-  </p:timing>
-</p:sld>
-</file>
-
-<file path=ppt/slides/slide12.xml><?xml version="1.0" encoding="utf-8"?>
-<p:sld xmlns:a="http://schemas.openxmlformats.org/drawingml/2006/main" xmlns:r="http://schemas.openxmlformats.org/officeDocument/2006/relationships" xmlns:p="http://schemas.openxmlformats.org/presentationml/2006/main">
-  <p:cSld>
-    <p:spTree>
-      <p:nvGrpSpPr>
-        <p:cNvPr id="1" name=""/>
-        <p:cNvGrpSpPr/>
-        <p:nvPr/>
-      </p:nvGrpSpPr>
-      <p:grpSpPr>
-        <a:xfrm>
-          <a:off x="0" y="0"/>
-          <a:ext cx="0" cy="0"/>
-          <a:chOff x="0" y="0"/>
-          <a:chExt cx="0" cy="0"/>
-        </a:xfrm>
-      </p:grpSpPr>
-      <p:sp>
-        <p:nvSpPr>
-          <p:cNvPr id="2" name="Заголовок 1"/>
-          <p:cNvSpPr>
-            <a:spLocks noGrp="1"/>
-          </p:cNvSpPr>
-          <p:nvPr>
-            <p:ph type="title"/>
-          </p:nvPr>
-        </p:nvSpPr>
-        <p:spPr/>
-        <p:txBody>
-          <a:bodyPr>
-            <a:normAutofit fontScale="90000"/>
-          </a:bodyPr>
-          <a:lstStyle/>
-          <a:p>
-            <a:r>
-              <a:rPr lang="ru-RU" dirty="0" smtClean="0"/>
-              <a:t>Разработка алгоритмов построения графа</a:t>
-            </a:r>
-            <a:endParaRPr lang="ru-RU" dirty="0"/>
-          </a:p>
-        </p:txBody>
-      </p:sp>
-      <p:sp>
-        <p:nvSpPr>
-          <p:cNvPr id="4" name="Номер слайда 3"/>
-          <p:cNvSpPr>
-            <a:spLocks noGrp="1"/>
-          </p:cNvSpPr>
-          <p:nvPr>
-            <p:ph type="sldNum" sz="quarter" idx="12"/>
-          </p:nvPr>
-        </p:nvSpPr>
-        <p:spPr/>
-        <p:txBody>
-          <a:bodyPr/>
-          <a:lstStyle/>
-          <a:p>
-            <a:fld id="{3DCB63D9-3FD3-4C3B-A045-98BC1BB0B6C2}" type="slidenum">
-              <a:rPr lang="ru-RU" smtClean="0"/>
-              <a:pPr/>
-              <a:t>12</a:t>
             </a:fld>
             <a:endParaRPr lang="ru-RU"/>
           </a:p>
@@ -5270,7 +4614,7 @@
 </p:sld>
 </file>
 
-<file path=ppt/slides/slide13.xml><?xml version="1.0" encoding="utf-8"?>
+<file path=ppt/slides/slide11.xml><?xml version="1.0" encoding="utf-8"?>
 <p:sld xmlns:a="http://schemas.openxmlformats.org/drawingml/2006/main" xmlns:r="http://schemas.openxmlformats.org/officeDocument/2006/relationships" xmlns:p="http://schemas.openxmlformats.org/presentationml/2006/main">
   <p:cSld>
     <p:spTree>
@@ -5330,7 +4674,7 @@
             <a:fld id="{3DCB63D9-3FD3-4C3B-A045-98BC1BB0B6C2}" type="slidenum">
               <a:rPr lang="ru-RU" smtClean="0"/>
               <a:pPr/>
-              <a:t>13</a:t>
+              <a:t>11</a:t>
             </a:fld>
             <a:endParaRPr lang="ru-RU"/>
           </a:p>
@@ -6556,7 +5900,7 @@
 </p:sld>
 </file>
 
-<file path=ppt/slides/slide14.xml><?xml version="1.0" encoding="utf-8"?>
+<file path=ppt/slides/slide12.xml><?xml version="1.0" encoding="utf-8"?>
 <p:sld xmlns:a="http://schemas.openxmlformats.org/drawingml/2006/main" xmlns:r="http://schemas.openxmlformats.org/officeDocument/2006/relationships" xmlns:p="http://schemas.openxmlformats.org/presentationml/2006/main">
   <p:cSld>
     <p:spTree>
@@ -6621,7 +5965,7 @@
             <a:fld id="{3DCB63D9-3FD3-4C3B-A045-98BC1BB0B6C2}" type="slidenum">
               <a:rPr lang="ru-RU" smtClean="0"/>
               <a:pPr/>
-              <a:t>14</a:t>
+              <a:t>12</a:t>
             </a:fld>
             <a:endParaRPr lang="ru-RU"/>
           </a:p>
@@ -6677,7 +6021,7 @@
 </p:sld>
 </file>
 
-<file path=ppt/slides/slide15.xml><?xml version="1.0" encoding="utf-8"?>
+<file path=ppt/slides/slide13.xml><?xml version="1.0" encoding="utf-8"?>
 <p:sld xmlns:a="http://schemas.openxmlformats.org/drawingml/2006/main" xmlns:r="http://schemas.openxmlformats.org/officeDocument/2006/relationships" xmlns:p="http://schemas.openxmlformats.org/presentationml/2006/main">
   <p:cSld>
     <p:spTree>
@@ -6737,7 +6081,7 @@
             <a:fld id="{3DCB63D9-3FD3-4C3B-A045-98BC1BB0B6C2}" type="slidenum">
               <a:rPr lang="ru-RU" smtClean="0"/>
               <a:pPr/>
-              <a:t>15</a:t>
+              <a:t>13</a:t>
             </a:fld>
             <a:endParaRPr lang="ru-RU"/>
           </a:p>
@@ -6791,7 +6135,7 @@
 </p:sld>
 </file>
 
-<file path=ppt/slides/slide16.xml><?xml version="1.0" encoding="utf-8"?>
+<file path=ppt/slides/slide14.xml><?xml version="1.0" encoding="utf-8"?>
 <p:sld xmlns:a="http://schemas.openxmlformats.org/drawingml/2006/main" xmlns:r="http://schemas.openxmlformats.org/officeDocument/2006/relationships" xmlns:p="http://schemas.openxmlformats.org/presentationml/2006/main">
   <p:cSld>
     <p:spTree>
@@ -6818,12 +6162,7 @@
             <p:ph type="title"/>
           </p:nvPr>
         </p:nvSpPr>
-        <p:spPr>
-          <a:xfrm>
-            <a:off x="457200" y="2000240"/>
-            <a:ext cx="8229600" cy="2428892"/>
-          </a:xfrm>
-        </p:spPr>
+        <p:spPr/>
         <p:txBody>
           <a:bodyPr>
             <a:normAutofit/>
@@ -6832,19 +6171,201 @@
           <a:p>
             <a:r>
               <a:rPr lang="ru-RU" dirty="0" smtClean="0"/>
-              <a:t>3. Проектирование модуля генерации «2</a:t>
-            </a:r>
-            <a:r>
-              <a:rPr lang="en-US" dirty="0" smtClean="0"/>
-              <a:t>D </a:t>
-            </a:r>
+              <a:t>Функции модуля</a:t>
+            </a:r>
+            <a:endParaRPr lang="ru-RU" dirty="0"/>
+          </a:p>
+        </p:txBody>
+      </p:sp>
+      <p:sp>
+        <p:nvSpPr>
+          <p:cNvPr id="3" name="Содержимое 2"/>
+          <p:cNvSpPr>
+            <a:spLocks noGrp="1"/>
+          </p:cNvSpPr>
+          <p:nvPr>
+            <p:ph idx="1"/>
+          </p:nvPr>
+        </p:nvSpPr>
+        <p:spPr/>
+        <p:txBody>
+          <a:bodyPr>
+            <a:normAutofit fontScale="62500" lnSpcReduction="20000"/>
+          </a:bodyPr>
+          <a:lstStyle/>
+          <a:p>
+            <a:pPr marL="514350" lvl="0" indent="-514350">
+              <a:lnSpc>
+                <a:spcPct val="170000"/>
+              </a:lnSpc>
+              <a:buAutoNum type="arabicPeriod"/>
+            </a:pPr>
             <a:r>
               <a:rPr lang="ru-RU" dirty="0" smtClean="0"/>
-              <a:t>прогулок»</a:t>
-            </a:r>
-            <a:br>
+              <a:t>Загрузка </a:t>
+            </a:r>
+            <a:r>
+              <a:rPr lang="ru-RU" dirty="0"/>
+              <a:t>и отображение выбранной карты </a:t>
+            </a:r>
+            <a:r>
               <a:rPr lang="ru-RU" dirty="0" smtClean="0"/>
-            </a:br>
+              <a:t>пространства</a:t>
+            </a:r>
+          </a:p>
+          <a:p>
+            <a:pPr marL="514350" lvl="0" indent="-514350">
+              <a:lnSpc>
+                <a:spcPct val="170000"/>
+              </a:lnSpc>
+              <a:buAutoNum type="arabicPeriod"/>
+            </a:pPr>
+            <a:r>
+              <a:rPr lang="ru-RU" dirty="0" smtClean="0"/>
+              <a:t>Загрузка </a:t>
+            </a:r>
+            <a:r>
+              <a:rPr lang="ru-RU" dirty="0"/>
+              <a:t>списка объектов для построения </a:t>
+            </a:r>
+            <a:r>
+              <a:rPr lang="ru-RU" dirty="0" smtClean="0"/>
+              <a:t>маршрута</a:t>
+            </a:r>
+          </a:p>
+          <a:p>
+            <a:pPr marL="514350" lvl="0" indent="-514350">
+              <a:lnSpc>
+                <a:spcPct val="170000"/>
+              </a:lnSpc>
+              <a:buAutoNum type="arabicPeriod"/>
+            </a:pPr>
+            <a:r>
+              <a:rPr lang="ru-RU" dirty="0" smtClean="0"/>
+              <a:t>Построение </a:t>
+            </a:r>
+            <a:r>
+              <a:rPr lang="ru-RU" dirty="0"/>
+              <a:t>размеченного </a:t>
+            </a:r>
+            <a:r>
+              <a:rPr lang="ru-RU" dirty="0" smtClean="0"/>
+              <a:t>маршрута</a:t>
+            </a:r>
+          </a:p>
+          <a:p>
+            <a:pPr marL="514350" lvl="0" indent="-514350">
+              <a:lnSpc>
+                <a:spcPct val="170000"/>
+              </a:lnSpc>
+              <a:buAutoNum type="arabicPeriod"/>
+            </a:pPr>
+            <a:r>
+              <a:rPr lang="ru-RU" dirty="0" smtClean="0"/>
+              <a:t>Отображение </a:t>
+            </a:r>
+            <a:r>
+              <a:rPr lang="ru-RU" dirty="0"/>
+              <a:t>игрового персонажа на карте </a:t>
+            </a:r>
+            <a:r>
+              <a:rPr lang="ru-RU" dirty="0" smtClean="0"/>
+              <a:t>пространства</a:t>
+            </a:r>
+          </a:p>
+          <a:p>
+            <a:pPr marL="514350" lvl="0" indent="-514350">
+              <a:lnSpc>
+                <a:spcPct val="170000"/>
+              </a:lnSpc>
+              <a:buAutoNum type="arabicPeriod"/>
+            </a:pPr>
+            <a:r>
+              <a:rPr lang="ru-RU" dirty="0" smtClean="0"/>
+              <a:t>Отображение </a:t>
+            </a:r>
+            <a:r>
+              <a:rPr lang="ru-RU" dirty="0"/>
+              <a:t>текущего участка маршрута на карте </a:t>
+            </a:r>
+            <a:r>
+              <a:rPr lang="ru-RU" dirty="0" smtClean="0"/>
+              <a:t>пространства</a:t>
+            </a:r>
+          </a:p>
+          <a:p>
+            <a:pPr marL="514350" lvl="0" indent="-514350">
+              <a:lnSpc>
+                <a:spcPct val="170000"/>
+              </a:lnSpc>
+              <a:buAutoNum type="arabicPeriod"/>
+            </a:pPr>
+            <a:r>
+              <a:rPr lang="ru-RU" dirty="0" smtClean="0"/>
+              <a:t>Моделирование </a:t>
+            </a:r>
+            <a:r>
+              <a:rPr lang="ru-RU" dirty="0"/>
+              <a:t>передвижения игрового персонажа по </a:t>
+            </a:r>
+            <a:r>
+              <a:rPr lang="ru-RU" dirty="0" smtClean="0"/>
+              <a:t>маршруту</a:t>
+            </a:r>
+          </a:p>
+          <a:p>
+            <a:pPr marL="514350" lvl="0" indent="-514350">
+              <a:lnSpc>
+                <a:spcPct val="170000"/>
+              </a:lnSpc>
+              <a:buAutoNum type="arabicPeriod"/>
+            </a:pPr>
+            <a:r>
+              <a:rPr lang="ru-RU" dirty="0" smtClean="0"/>
+              <a:t>Отображение </a:t>
+            </a:r>
+            <a:r>
+              <a:rPr lang="ru-RU" dirty="0"/>
+              <a:t>результатов моделирования прохождения </a:t>
+            </a:r>
+            <a:r>
+              <a:rPr lang="ru-RU" dirty="0" smtClean="0"/>
+              <a:t>маршрута</a:t>
+            </a:r>
+          </a:p>
+          <a:p>
+            <a:pPr marL="514350" lvl="0" indent="-514350">
+              <a:lnSpc>
+                <a:spcPct val="170000"/>
+              </a:lnSpc>
+              <a:buAutoNum type="arabicPeriod"/>
+            </a:pPr>
+            <a:r>
+              <a:rPr lang="ru-RU" dirty="0" smtClean="0"/>
+              <a:t>Сохранение </a:t>
+            </a:r>
+            <a:r>
+              <a:rPr lang="ru-RU" dirty="0"/>
+              <a:t>результатов «2</a:t>
+            </a:r>
+            <a:r>
+              <a:rPr lang="en-US" dirty="0"/>
+              <a:t>D</a:t>
+            </a:r>
+            <a:r>
+              <a:rPr lang="ru-RU" dirty="0"/>
+              <a:t> прогулки</a:t>
+            </a:r>
+            <a:r>
+              <a:rPr lang="ru-RU" dirty="0" smtClean="0"/>
+              <a:t>»</a:t>
+            </a:r>
+            <a:endParaRPr lang="ru-RU" dirty="0"/>
+          </a:p>
+          <a:p>
+            <a:pPr>
+              <a:buNone/>
+            </a:pPr>
             <a:endParaRPr lang="ru-RU" dirty="0"/>
           </a:p>
         </p:txBody>
@@ -6867,7 +6388,7 @@
             <a:fld id="{3DCB63D9-3FD3-4C3B-A045-98BC1BB0B6C2}" type="slidenum">
               <a:rPr lang="ru-RU" smtClean="0"/>
               <a:pPr/>
-              <a:t>16</a:t>
+              <a:t>14</a:t>
             </a:fld>
             <a:endParaRPr lang="ru-RU"/>
           </a:p>
@@ -6888,281 +6409,7 @@
 </p:sld>
 </file>
 
-<file path=ppt/slides/slide17.xml><?xml version="1.0" encoding="utf-8"?>
-<p:sld xmlns:a="http://schemas.openxmlformats.org/drawingml/2006/main" xmlns:r="http://schemas.openxmlformats.org/officeDocument/2006/relationships" xmlns:p="http://schemas.openxmlformats.org/presentationml/2006/main">
-  <p:cSld>
-    <p:spTree>
-      <p:nvGrpSpPr>
-        <p:cNvPr id="1" name=""/>
-        <p:cNvGrpSpPr/>
-        <p:nvPr/>
-      </p:nvGrpSpPr>
-      <p:grpSpPr>
-        <a:xfrm>
-          <a:off x="0" y="0"/>
-          <a:ext cx="0" cy="0"/>
-          <a:chOff x="0" y="0"/>
-          <a:chExt cx="0" cy="0"/>
-        </a:xfrm>
-      </p:grpSpPr>
-      <p:sp>
-        <p:nvSpPr>
-          <p:cNvPr id="2" name="Заголовок 1"/>
-          <p:cNvSpPr>
-            <a:spLocks noGrp="1"/>
-          </p:cNvSpPr>
-          <p:nvPr>
-            <p:ph type="title"/>
-          </p:nvPr>
-        </p:nvSpPr>
-        <p:spPr/>
-        <p:txBody>
-          <a:bodyPr>
-            <a:normAutofit/>
-          </a:bodyPr>
-          <a:lstStyle/>
-          <a:p>
-            <a:r>
-              <a:rPr lang="ru-RU" dirty="0" smtClean="0"/>
-              <a:t>Функции модуля</a:t>
-            </a:r>
-            <a:endParaRPr lang="ru-RU" dirty="0"/>
-          </a:p>
-        </p:txBody>
-      </p:sp>
-      <p:sp>
-        <p:nvSpPr>
-          <p:cNvPr id="3" name="Содержимое 2"/>
-          <p:cNvSpPr>
-            <a:spLocks noGrp="1"/>
-          </p:cNvSpPr>
-          <p:nvPr>
-            <p:ph idx="1"/>
-          </p:nvPr>
-        </p:nvSpPr>
-        <p:spPr/>
-        <p:txBody>
-          <a:bodyPr>
-            <a:normAutofit fontScale="62500" lnSpcReduction="20000"/>
-          </a:bodyPr>
-          <a:lstStyle/>
-          <a:p>
-            <a:pPr marL="514350" lvl="0" indent="-514350">
-              <a:lnSpc>
-                <a:spcPct val="170000"/>
-              </a:lnSpc>
-              <a:buAutoNum type="arabicPeriod"/>
-            </a:pPr>
-            <a:r>
-              <a:rPr lang="ru-RU" dirty="0" smtClean="0"/>
-              <a:t>Загрузка </a:t>
-            </a:r>
-            <a:r>
-              <a:rPr lang="ru-RU" dirty="0"/>
-              <a:t>и отображение выбранной карты </a:t>
-            </a:r>
-            <a:r>
-              <a:rPr lang="ru-RU" dirty="0" smtClean="0"/>
-              <a:t>пространства</a:t>
-            </a:r>
-          </a:p>
-          <a:p>
-            <a:pPr marL="514350" lvl="0" indent="-514350">
-              <a:lnSpc>
-                <a:spcPct val="170000"/>
-              </a:lnSpc>
-              <a:buAutoNum type="arabicPeriod"/>
-            </a:pPr>
-            <a:r>
-              <a:rPr lang="ru-RU" dirty="0" smtClean="0"/>
-              <a:t>Загрузка </a:t>
-            </a:r>
-            <a:r>
-              <a:rPr lang="ru-RU" dirty="0"/>
-              <a:t>списка объектов для построения </a:t>
-            </a:r>
-            <a:r>
-              <a:rPr lang="ru-RU" dirty="0" smtClean="0"/>
-              <a:t>маршрута</a:t>
-            </a:r>
-          </a:p>
-          <a:p>
-            <a:pPr marL="514350" lvl="0" indent="-514350">
-              <a:lnSpc>
-                <a:spcPct val="170000"/>
-              </a:lnSpc>
-              <a:buAutoNum type="arabicPeriod"/>
-            </a:pPr>
-            <a:r>
-              <a:rPr lang="ru-RU" dirty="0" smtClean="0"/>
-              <a:t>Построение </a:t>
-            </a:r>
-            <a:r>
-              <a:rPr lang="ru-RU" dirty="0"/>
-              <a:t>размеченного </a:t>
-            </a:r>
-            <a:r>
-              <a:rPr lang="ru-RU" dirty="0" smtClean="0"/>
-              <a:t>маршрута</a:t>
-            </a:r>
-          </a:p>
-          <a:p>
-            <a:pPr marL="514350" lvl="0" indent="-514350">
-              <a:lnSpc>
-                <a:spcPct val="170000"/>
-              </a:lnSpc>
-              <a:buAutoNum type="arabicPeriod"/>
-            </a:pPr>
-            <a:r>
-              <a:rPr lang="ru-RU" dirty="0" smtClean="0"/>
-              <a:t>Отображение </a:t>
-            </a:r>
-            <a:r>
-              <a:rPr lang="ru-RU" dirty="0"/>
-              <a:t>игрового персонажа на карте </a:t>
-            </a:r>
-            <a:r>
-              <a:rPr lang="ru-RU" dirty="0" smtClean="0"/>
-              <a:t>пространства</a:t>
-            </a:r>
-          </a:p>
-          <a:p>
-            <a:pPr marL="514350" lvl="0" indent="-514350">
-              <a:lnSpc>
-                <a:spcPct val="170000"/>
-              </a:lnSpc>
-              <a:buAutoNum type="arabicPeriod"/>
-            </a:pPr>
-            <a:r>
-              <a:rPr lang="ru-RU" dirty="0" smtClean="0"/>
-              <a:t>Отображение </a:t>
-            </a:r>
-            <a:r>
-              <a:rPr lang="ru-RU" dirty="0"/>
-              <a:t>текущего участка маршрута на карте </a:t>
-            </a:r>
-            <a:r>
-              <a:rPr lang="ru-RU" dirty="0" smtClean="0"/>
-              <a:t>пространства</a:t>
-            </a:r>
-          </a:p>
-          <a:p>
-            <a:pPr marL="514350" lvl="0" indent="-514350">
-              <a:lnSpc>
-                <a:spcPct val="170000"/>
-              </a:lnSpc>
-              <a:buAutoNum type="arabicPeriod"/>
-            </a:pPr>
-            <a:r>
-              <a:rPr lang="ru-RU" dirty="0" smtClean="0"/>
-              <a:t>Моделирование </a:t>
-            </a:r>
-            <a:r>
-              <a:rPr lang="ru-RU" dirty="0"/>
-              <a:t>передвижения игрового персонажа по </a:t>
-            </a:r>
-            <a:r>
-              <a:rPr lang="ru-RU" dirty="0" smtClean="0"/>
-              <a:t>маршруту</a:t>
-            </a:r>
-          </a:p>
-          <a:p>
-            <a:pPr marL="514350" lvl="0" indent="-514350">
-              <a:lnSpc>
-                <a:spcPct val="170000"/>
-              </a:lnSpc>
-              <a:buAutoNum type="arabicPeriod"/>
-            </a:pPr>
-            <a:r>
-              <a:rPr lang="ru-RU" dirty="0" smtClean="0"/>
-              <a:t>Отображение </a:t>
-            </a:r>
-            <a:r>
-              <a:rPr lang="ru-RU" dirty="0"/>
-              <a:t>результатов моделирования прохождения </a:t>
-            </a:r>
-            <a:r>
-              <a:rPr lang="ru-RU" dirty="0" smtClean="0"/>
-              <a:t>маршрута</a:t>
-            </a:r>
-          </a:p>
-          <a:p>
-            <a:pPr marL="514350" lvl="0" indent="-514350">
-              <a:lnSpc>
-                <a:spcPct val="170000"/>
-              </a:lnSpc>
-              <a:buAutoNum type="arabicPeriod"/>
-            </a:pPr>
-            <a:r>
-              <a:rPr lang="ru-RU" dirty="0" smtClean="0"/>
-              <a:t>Сохранение </a:t>
-            </a:r>
-            <a:r>
-              <a:rPr lang="ru-RU" dirty="0"/>
-              <a:t>результатов «2</a:t>
-            </a:r>
-            <a:r>
-              <a:rPr lang="en-US" dirty="0"/>
-              <a:t>D</a:t>
-            </a:r>
-            <a:r>
-              <a:rPr lang="ru-RU" dirty="0"/>
-              <a:t> прогулки</a:t>
-            </a:r>
-            <a:r>
-              <a:rPr lang="ru-RU" dirty="0" smtClean="0"/>
-              <a:t>»</a:t>
-            </a:r>
-            <a:endParaRPr lang="ru-RU" dirty="0"/>
-          </a:p>
-          <a:p>
-            <a:pPr>
-              <a:buNone/>
-            </a:pPr>
-            <a:endParaRPr lang="ru-RU" dirty="0"/>
-          </a:p>
-        </p:txBody>
-      </p:sp>
-      <p:sp>
-        <p:nvSpPr>
-          <p:cNvPr id="4" name="Номер слайда 3"/>
-          <p:cNvSpPr>
-            <a:spLocks noGrp="1"/>
-          </p:cNvSpPr>
-          <p:nvPr>
-            <p:ph type="sldNum" sz="quarter" idx="12"/>
-          </p:nvPr>
-        </p:nvSpPr>
-        <p:spPr/>
-        <p:txBody>
-          <a:bodyPr/>
-          <a:lstStyle/>
-          <a:p>
-            <a:fld id="{3DCB63D9-3FD3-4C3B-A045-98BC1BB0B6C2}" type="slidenum">
-              <a:rPr lang="ru-RU" smtClean="0"/>
-              <a:pPr/>
-              <a:t>17</a:t>
-            </a:fld>
-            <a:endParaRPr lang="ru-RU"/>
-          </a:p>
-        </p:txBody>
-      </p:sp>
-    </p:spTree>
-  </p:cSld>
-  <p:clrMapOvr>
-    <a:masterClrMapping/>
-  </p:clrMapOvr>
-  <p:timing>
-    <p:tnLst>
-      <p:par>
-        <p:cTn id="1" dur="indefinite" restart="never" nodeType="tmRoot"/>
-      </p:par>
-    </p:tnLst>
-  </p:timing>
-</p:sld>
-</file>
-
-<file path=ppt/slides/slide18.xml><?xml version="1.0" encoding="utf-8"?>
+<file path=ppt/slides/slide15.xml><?xml version="1.0" encoding="utf-8"?>
 <p:sld xmlns:a="http://schemas.openxmlformats.org/drawingml/2006/main" xmlns:r="http://schemas.openxmlformats.org/officeDocument/2006/relationships" xmlns:p="http://schemas.openxmlformats.org/presentationml/2006/main">
   <p:cSld>
     <p:spTree>
@@ -7391,7 +6638,7 @@
             <a:fld id="{3DCB63D9-3FD3-4C3B-A045-98BC1BB0B6C2}" type="slidenum">
               <a:rPr lang="ru-RU" smtClean="0"/>
               <a:pPr/>
-              <a:t>18</a:t>
+              <a:t>15</a:t>
             </a:fld>
             <a:endParaRPr lang="ru-RU"/>
           </a:p>
@@ -7412,7 +6659,7 @@
 </p:sld>
 </file>
 
-<file path=ppt/slides/slide19.xml><?xml version="1.0" encoding="utf-8"?>
+<file path=ppt/slides/slide16.xml><?xml version="1.0" encoding="utf-8"?>
 <p:sld xmlns:a="http://schemas.openxmlformats.org/drawingml/2006/main" xmlns:r="http://schemas.openxmlformats.org/officeDocument/2006/relationships" xmlns:p="http://schemas.openxmlformats.org/presentationml/2006/main">
   <p:cSld>
     <p:spTree>
@@ -7447,7 +6694,7 @@
             <a:fld id="{3DCB63D9-3FD3-4C3B-A045-98BC1BB0B6C2}" type="slidenum">
               <a:rPr lang="ru-RU" smtClean="0"/>
               <a:pPr/>
-              <a:t>19</a:t>
+              <a:t>16</a:t>
             </a:fld>
             <a:endParaRPr lang="ru-RU"/>
           </a:p>
@@ -7528,7 +6775,7 @@
 </p:sld>
 </file>
 
-<file path=ppt/slides/slide2.xml><?xml version="1.0" encoding="utf-8"?>
+<file path=ppt/slides/slide17.xml><?xml version="1.0" encoding="utf-8"?>
 <p:sld xmlns:a="http://schemas.openxmlformats.org/drawingml/2006/main" xmlns:r="http://schemas.openxmlformats.org/officeDocument/2006/relationships" xmlns:p="http://schemas.openxmlformats.org/presentationml/2006/main">
   <p:cSld>
     <p:spTree>
@@ -7557,12 +6804,14 @@
         </p:nvSpPr>
         <p:spPr/>
         <p:txBody>
-          <a:bodyPr/>
-          <a:lstStyle/>
-          <a:p>
-            <a:r>
-              <a:rPr lang="ru-RU" smtClean="0"/>
-              <a:t>Актуальность работы</a:t>
+          <a:bodyPr>
+            <a:normAutofit fontScale="90000"/>
+          </a:bodyPr>
+          <a:lstStyle/>
+          <a:p>
+            <a:r>
+              <a:rPr lang="ru-RU" dirty="0" smtClean="0"/>
+              <a:t>Проектирование графического интерфейса</a:t>
             </a:r>
             <a:endParaRPr lang="ru-RU" dirty="0"/>
           </a:p>
@@ -7586,202 +6835,7 @@
             <a:fld id="{3DCB63D9-3FD3-4C3B-A045-98BC1BB0B6C2}" type="slidenum">
               <a:rPr lang="ru-RU" smtClean="0"/>
               <a:pPr/>
-              <a:t>2</a:t>
-            </a:fld>
-            <a:endParaRPr lang="ru-RU"/>
-          </a:p>
-        </p:txBody>
-      </p:sp>
-      <p:pic>
-        <p:nvPicPr>
-          <p:cNvPr id="24580" name="Picture 4" descr="Навигация в торговом центре- зачем? какая? кто?"/>
-          <p:cNvPicPr>
-            <a:picLocks noChangeAspect="1" noChangeArrowheads="1"/>
-          </p:cNvPicPr>
-          <p:nvPr/>
-        </p:nvPicPr>
-        <p:blipFill>
-          <a:blip r:embed="rId3"/>
-          <a:srcRect/>
-          <a:stretch>
-            <a:fillRect/>
-          </a:stretch>
-        </p:blipFill>
-        <p:spPr bwMode="auto">
-          <a:xfrm>
-            <a:off x="1857356" y="1428736"/>
-            <a:ext cx="5715040" cy="4286280"/>
-          </a:xfrm>
-          <a:prstGeom prst="rect">
-            <a:avLst/>
-          </a:prstGeom>
-          <a:noFill/>
-        </p:spPr>
-      </p:pic>
-      <p:sp>
-        <p:nvSpPr>
-          <p:cNvPr id="10" name="Содержимое 2"/>
-          <p:cNvSpPr txBox="1">
-            <a:spLocks/>
-          </p:cNvSpPr>
-          <p:nvPr/>
-        </p:nvSpPr>
-        <p:spPr>
-          <a:xfrm>
-            <a:off x="2643174" y="5857892"/>
-            <a:ext cx="4000528" cy="542915"/>
-          </a:xfrm>
-          <a:prstGeom prst="rect">
-            <a:avLst/>
-          </a:prstGeom>
-        </p:spPr>
-        <p:txBody>
-          <a:bodyPr vert="horz" lIns="91440" tIns="45720" rIns="91440" bIns="45720" rtlCol="0">
-            <a:normAutofit fontScale="55000" lnSpcReduction="20000"/>
-          </a:bodyPr>
-          <a:lstStyle/>
-          <a:p>
-            <a:pPr marR="0" lvl="0" algn="ctr" defTabSz="914400" rtl="0" eaLnBrk="1" fontAlgn="auto" latinLnBrk="0" hangingPunct="1">
-              <a:lnSpc>
-                <a:spcPct val="100000"/>
-              </a:lnSpc>
-              <a:spcAft>
-                <a:spcPts val="0"/>
-              </a:spcAft>
-              <a:buClrTx/>
-              <a:buSzTx/>
-              <a:buFont typeface="Arial" pitchFamily="34" charset="0"/>
-              <a:buNone/>
-              <a:tabLst/>
-              <a:defRPr/>
-            </a:pPr>
-            <a:r>
-              <a:rPr kumimoji="0" lang="ru-RU" sz="3200" b="0" i="0" u="none" strike="noStrike" kern="1200" cap="none" spc="0" normalizeH="0" baseline="0" noProof="0" dirty="0" smtClean="0">
-                <a:ln>
-                  <a:noFill/>
-                </a:ln>
-                <a:solidFill>
-                  <a:schemeClr val="tx1"/>
-                </a:solidFill>
-                <a:effectLst/>
-                <a:uLnTx/>
-                <a:uFillTx/>
-                <a:latin typeface="+mn-lt"/>
-                <a:ea typeface="+mn-ea"/>
-                <a:cs typeface="+mn-cs"/>
-              </a:rPr>
-              <a:t>Система навигации</a:t>
-            </a:r>
-            <a:r>
-              <a:rPr kumimoji="0" lang="ru-RU" sz="3200" b="0" i="0" u="none" strike="noStrike" kern="1200" cap="none" spc="0" normalizeH="0" noProof="0" dirty="0" smtClean="0">
-                <a:ln>
-                  <a:noFill/>
-                </a:ln>
-                <a:solidFill>
-                  <a:schemeClr val="tx1"/>
-                </a:solidFill>
-                <a:effectLst/>
-                <a:uLnTx/>
-                <a:uFillTx/>
-                <a:latin typeface="+mn-lt"/>
-                <a:ea typeface="+mn-ea"/>
-                <a:cs typeface="+mn-cs"/>
-              </a:rPr>
-              <a:t> торгового центра</a:t>
-            </a:r>
-            <a:endParaRPr kumimoji="0" lang="ru-RU" sz="3200" b="0" i="0" u="none" strike="noStrike" kern="1200" cap="none" spc="0" normalizeH="0" baseline="0" noProof="0" dirty="0" smtClean="0">
-              <a:ln>
-                <a:noFill/>
-              </a:ln>
-              <a:solidFill>
-                <a:schemeClr val="tx1"/>
-              </a:solidFill>
-              <a:effectLst/>
-              <a:uLnTx/>
-              <a:uFillTx/>
-              <a:latin typeface="+mn-lt"/>
-              <a:ea typeface="+mn-ea"/>
-              <a:cs typeface="+mn-cs"/>
-            </a:endParaRPr>
-          </a:p>
-        </p:txBody>
-      </p:sp>
-    </p:spTree>
-  </p:cSld>
-  <p:clrMapOvr>
-    <a:masterClrMapping/>
-  </p:clrMapOvr>
-  <p:timing>
-    <p:tnLst>
-      <p:par>
-        <p:cTn id="1" dur="indefinite" restart="never" nodeType="tmRoot"/>
-      </p:par>
-    </p:tnLst>
-  </p:timing>
-</p:sld>
-</file>
-
-<file path=ppt/slides/slide20.xml><?xml version="1.0" encoding="utf-8"?>
-<p:sld xmlns:a="http://schemas.openxmlformats.org/drawingml/2006/main" xmlns:r="http://schemas.openxmlformats.org/officeDocument/2006/relationships" xmlns:p="http://schemas.openxmlformats.org/presentationml/2006/main">
-  <p:cSld>
-    <p:spTree>
-      <p:nvGrpSpPr>
-        <p:cNvPr id="1" name=""/>
-        <p:cNvGrpSpPr/>
-        <p:nvPr/>
-      </p:nvGrpSpPr>
-      <p:grpSpPr>
-        <a:xfrm>
-          <a:off x="0" y="0"/>
-          <a:ext cx="0" cy="0"/>
-          <a:chOff x="0" y="0"/>
-          <a:chExt cx="0" cy="0"/>
-        </a:xfrm>
-      </p:grpSpPr>
-      <p:sp>
-        <p:nvSpPr>
-          <p:cNvPr id="2" name="Заголовок 1"/>
-          <p:cNvSpPr>
-            <a:spLocks noGrp="1"/>
-          </p:cNvSpPr>
-          <p:nvPr>
-            <p:ph type="title"/>
-          </p:nvPr>
-        </p:nvSpPr>
-        <p:spPr/>
-        <p:txBody>
-          <a:bodyPr>
-            <a:normAutofit fontScale="90000"/>
-          </a:bodyPr>
-          <a:lstStyle/>
-          <a:p>
-            <a:r>
-              <a:rPr lang="ru-RU" dirty="0" smtClean="0"/>
-              <a:t>Проектирование графического интерфейса</a:t>
-            </a:r>
-            <a:endParaRPr lang="ru-RU" dirty="0"/>
-          </a:p>
-        </p:txBody>
-      </p:sp>
-      <p:sp>
-        <p:nvSpPr>
-          <p:cNvPr id="4" name="Номер слайда 3"/>
-          <p:cNvSpPr>
-            <a:spLocks noGrp="1"/>
-          </p:cNvSpPr>
-          <p:nvPr>
-            <p:ph type="sldNum" sz="quarter" idx="12"/>
-          </p:nvPr>
-        </p:nvSpPr>
-        <p:spPr/>
-        <p:txBody>
-          <a:bodyPr/>
-          <a:lstStyle/>
-          <a:p>
-            <a:fld id="{3DCB63D9-3FD3-4C3B-A045-98BC1BB0B6C2}" type="slidenum">
-              <a:rPr lang="ru-RU" smtClean="0"/>
-              <a:pPr/>
-              <a:t>20</a:t>
+              <a:t>17</a:t>
             </a:fld>
             <a:endParaRPr lang="ru-RU"/>
           </a:p>
@@ -7978,7 +7032,7 @@
 </p:sld>
 </file>
 
-<file path=ppt/slides/slide21.xml><?xml version="1.0" encoding="utf-8"?>
+<file path=ppt/slides/slide18.xml><?xml version="1.0" encoding="utf-8"?>
 <p:sld xmlns:a="http://schemas.openxmlformats.org/drawingml/2006/main" xmlns:r="http://schemas.openxmlformats.org/officeDocument/2006/relationships" xmlns:p="http://schemas.openxmlformats.org/presentationml/2006/main">
   <p:cSld>
     <p:spTree>
@@ -8013,7 +7067,7 @@
             <a:fld id="{3DCB63D9-3FD3-4C3B-A045-98BC1BB0B6C2}" type="slidenum">
               <a:rPr lang="ru-RU" smtClean="0"/>
               <a:pPr/>
-              <a:t>21</a:t>
+              <a:t>18</a:t>
             </a:fld>
             <a:endParaRPr lang="ru-RU"/>
           </a:p>
@@ -8318,108 +7372,7 @@
 </p:sld>
 </file>
 
-<file path=ppt/slides/slide22.xml><?xml version="1.0" encoding="utf-8"?>
-<p:sld xmlns:a="http://schemas.openxmlformats.org/drawingml/2006/main" xmlns:r="http://schemas.openxmlformats.org/officeDocument/2006/relationships" xmlns:p="http://schemas.openxmlformats.org/presentationml/2006/main">
-  <p:cSld>
-    <p:spTree>
-      <p:nvGrpSpPr>
-        <p:cNvPr id="1" name=""/>
-        <p:cNvGrpSpPr/>
-        <p:nvPr/>
-      </p:nvGrpSpPr>
-      <p:grpSpPr>
-        <a:xfrm>
-          <a:off x="0" y="0"/>
-          <a:ext cx="0" cy="0"/>
-          <a:chOff x="0" y="0"/>
-          <a:chExt cx="0" cy="0"/>
-        </a:xfrm>
-      </p:grpSpPr>
-      <p:sp>
-        <p:nvSpPr>
-          <p:cNvPr id="2" name="Заголовок 1"/>
-          <p:cNvSpPr>
-            <a:spLocks noGrp="1"/>
-          </p:cNvSpPr>
-          <p:nvPr>
-            <p:ph type="title"/>
-          </p:nvPr>
-        </p:nvSpPr>
-        <p:spPr>
-          <a:xfrm>
-            <a:off x="457200" y="2000240"/>
-            <a:ext cx="8229600" cy="2428892"/>
-          </a:xfrm>
-        </p:spPr>
-        <p:txBody>
-          <a:bodyPr>
-            <a:normAutofit/>
-          </a:bodyPr>
-          <a:lstStyle/>
-          <a:p>
-            <a:r>
-              <a:rPr lang="ru-RU" dirty="0"/>
-              <a:t>4</a:t>
-            </a:r>
-            <a:r>
-              <a:rPr lang="ru-RU" dirty="0" smtClean="0"/>
-              <a:t>. Реализация модуля генерации «2</a:t>
-            </a:r>
-            <a:r>
-              <a:rPr lang="en-US" dirty="0" smtClean="0"/>
-              <a:t>D </a:t>
-            </a:r>
-            <a:r>
-              <a:rPr lang="ru-RU" dirty="0" smtClean="0"/>
-              <a:t>прогулок»</a:t>
-            </a:r>
-            <a:br>
-              <a:rPr lang="ru-RU" dirty="0" smtClean="0"/>
-            </a:br>
-            <a:endParaRPr lang="ru-RU" dirty="0"/>
-          </a:p>
-        </p:txBody>
-      </p:sp>
-      <p:sp>
-        <p:nvSpPr>
-          <p:cNvPr id="4" name="Номер слайда 3"/>
-          <p:cNvSpPr>
-            <a:spLocks noGrp="1"/>
-          </p:cNvSpPr>
-          <p:nvPr>
-            <p:ph type="sldNum" sz="quarter" idx="12"/>
-          </p:nvPr>
-        </p:nvSpPr>
-        <p:spPr/>
-        <p:txBody>
-          <a:bodyPr/>
-          <a:lstStyle/>
-          <a:p>
-            <a:fld id="{3DCB63D9-3FD3-4C3B-A045-98BC1BB0B6C2}" type="slidenum">
-              <a:rPr lang="ru-RU" smtClean="0"/>
-              <a:pPr/>
-              <a:t>22</a:t>
-            </a:fld>
-            <a:endParaRPr lang="ru-RU"/>
-          </a:p>
-        </p:txBody>
-      </p:sp>
-    </p:spTree>
-  </p:cSld>
-  <p:clrMapOvr>
-    <a:masterClrMapping/>
-  </p:clrMapOvr>
-  <p:timing>
-    <p:tnLst>
-      <p:par>
-        <p:cTn id="1" dur="indefinite" restart="never" nodeType="tmRoot"/>
-      </p:par>
-    </p:tnLst>
-  </p:timing>
-</p:sld>
-</file>
-
-<file path=ppt/slides/slide23.xml><?xml version="1.0" encoding="utf-8"?>
+<file path=ppt/slides/slide19.xml><?xml version="1.0" encoding="utf-8"?>
 <p:sld xmlns:a="http://schemas.openxmlformats.org/drawingml/2006/main" xmlns:r="http://schemas.openxmlformats.org/officeDocument/2006/relationships" xmlns:p="http://schemas.openxmlformats.org/presentationml/2006/main">
   <p:cSld>
     <p:spTree>
@@ -8641,7 +7594,7 @@
             <a:fld id="{3DCB63D9-3FD3-4C3B-A045-98BC1BB0B6C2}" type="slidenum">
               <a:rPr lang="ru-RU" smtClean="0"/>
               <a:pPr/>
-              <a:t>23</a:t>
+              <a:t>19</a:t>
             </a:fld>
             <a:endParaRPr lang="ru-RU"/>
           </a:p>
@@ -8662,7 +7615,7 @@
 </p:sld>
 </file>
 
-<file path=ppt/slides/slide24.xml><?xml version="1.0" encoding="utf-8"?>
+<file path=ppt/slides/slide2.xml><?xml version="1.0" encoding="utf-8"?>
 <p:sld xmlns:a="http://schemas.openxmlformats.org/drawingml/2006/main" xmlns:r="http://schemas.openxmlformats.org/officeDocument/2006/relationships" xmlns:p="http://schemas.openxmlformats.org/presentationml/2006/main">
   <p:cSld>
     <p:spTree>
@@ -8689,6 +7642,199 @@
             <p:ph type="title"/>
           </p:nvPr>
         </p:nvSpPr>
+        <p:spPr/>
+        <p:txBody>
+          <a:bodyPr/>
+          <a:lstStyle/>
+          <a:p>
+            <a:r>
+              <a:rPr lang="ru-RU" smtClean="0"/>
+              <a:t>Актуальность работы</a:t>
+            </a:r>
+            <a:endParaRPr lang="ru-RU" dirty="0"/>
+          </a:p>
+        </p:txBody>
+      </p:sp>
+      <p:sp>
+        <p:nvSpPr>
+          <p:cNvPr id="4" name="Номер слайда 3"/>
+          <p:cNvSpPr>
+            <a:spLocks noGrp="1"/>
+          </p:cNvSpPr>
+          <p:nvPr>
+            <p:ph type="sldNum" sz="quarter" idx="12"/>
+          </p:nvPr>
+        </p:nvSpPr>
+        <p:spPr/>
+        <p:txBody>
+          <a:bodyPr/>
+          <a:lstStyle/>
+          <a:p>
+            <a:fld id="{3DCB63D9-3FD3-4C3B-A045-98BC1BB0B6C2}" type="slidenum">
+              <a:rPr lang="ru-RU" smtClean="0"/>
+              <a:pPr/>
+              <a:t>2</a:t>
+            </a:fld>
+            <a:endParaRPr lang="ru-RU"/>
+          </a:p>
+        </p:txBody>
+      </p:sp>
+      <p:pic>
+        <p:nvPicPr>
+          <p:cNvPr id="24580" name="Picture 4" descr="Навигация в торговом центре- зачем? какая? кто?"/>
+          <p:cNvPicPr>
+            <a:picLocks noChangeAspect="1" noChangeArrowheads="1"/>
+          </p:cNvPicPr>
+          <p:nvPr/>
+        </p:nvPicPr>
+        <p:blipFill>
+          <a:blip r:embed="rId3"/>
+          <a:srcRect/>
+          <a:stretch>
+            <a:fillRect/>
+          </a:stretch>
+        </p:blipFill>
+        <p:spPr bwMode="auto">
+          <a:xfrm>
+            <a:off x="1857356" y="1428736"/>
+            <a:ext cx="5715040" cy="4286280"/>
+          </a:xfrm>
+          <a:prstGeom prst="rect">
+            <a:avLst/>
+          </a:prstGeom>
+          <a:noFill/>
+        </p:spPr>
+      </p:pic>
+      <p:sp>
+        <p:nvSpPr>
+          <p:cNvPr id="10" name="Содержимое 2"/>
+          <p:cNvSpPr txBox="1">
+            <a:spLocks/>
+          </p:cNvSpPr>
+          <p:nvPr/>
+        </p:nvSpPr>
+        <p:spPr>
+          <a:xfrm>
+            <a:off x="2643174" y="5857892"/>
+            <a:ext cx="4000528" cy="542915"/>
+          </a:xfrm>
+          <a:prstGeom prst="rect">
+            <a:avLst/>
+          </a:prstGeom>
+        </p:spPr>
+        <p:txBody>
+          <a:bodyPr vert="horz" lIns="91440" tIns="45720" rIns="91440" bIns="45720" rtlCol="0">
+            <a:normAutofit fontScale="55000" lnSpcReduction="20000"/>
+          </a:bodyPr>
+          <a:lstStyle/>
+          <a:p>
+            <a:pPr marR="0" lvl="0" algn="ctr" defTabSz="914400" rtl="0" eaLnBrk="1" fontAlgn="auto" latinLnBrk="0" hangingPunct="1">
+              <a:lnSpc>
+                <a:spcPct val="100000"/>
+              </a:lnSpc>
+              <a:spcAft>
+                <a:spcPts val="0"/>
+              </a:spcAft>
+              <a:buClrTx/>
+              <a:buSzTx/>
+              <a:buFont typeface="Arial" pitchFamily="34" charset="0"/>
+              <a:buNone/>
+              <a:tabLst/>
+              <a:defRPr/>
+            </a:pPr>
+            <a:r>
+              <a:rPr kumimoji="0" lang="ru-RU" sz="3200" b="0" i="0" u="none" strike="noStrike" kern="1200" cap="none" spc="0" normalizeH="0" baseline="0" noProof="0" dirty="0" smtClean="0">
+                <a:ln>
+                  <a:noFill/>
+                </a:ln>
+                <a:solidFill>
+                  <a:schemeClr val="tx1"/>
+                </a:solidFill>
+                <a:effectLst/>
+                <a:uLnTx/>
+                <a:uFillTx/>
+                <a:latin typeface="+mn-lt"/>
+                <a:ea typeface="+mn-ea"/>
+                <a:cs typeface="+mn-cs"/>
+              </a:rPr>
+              <a:t>Система навигации</a:t>
+            </a:r>
+            <a:r>
+              <a:rPr kumimoji="0" lang="ru-RU" sz="3200" b="0" i="0" u="none" strike="noStrike" kern="1200" cap="none" spc="0" normalizeH="0" noProof="0" dirty="0" smtClean="0">
+                <a:ln>
+                  <a:noFill/>
+                </a:ln>
+                <a:solidFill>
+                  <a:schemeClr val="tx1"/>
+                </a:solidFill>
+                <a:effectLst/>
+                <a:uLnTx/>
+                <a:uFillTx/>
+                <a:latin typeface="+mn-lt"/>
+                <a:ea typeface="+mn-ea"/>
+                <a:cs typeface="+mn-cs"/>
+              </a:rPr>
+              <a:t> торгового центра</a:t>
+            </a:r>
+            <a:endParaRPr kumimoji="0" lang="ru-RU" sz="3200" b="0" i="0" u="none" strike="noStrike" kern="1200" cap="none" spc="0" normalizeH="0" baseline="0" noProof="0" dirty="0" smtClean="0">
+              <a:ln>
+                <a:noFill/>
+              </a:ln>
+              <a:solidFill>
+                <a:schemeClr val="tx1"/>
+              </a:solidFill>
+              <a:effectLst/>
+              <a:uLnTx/>
+              <a:uFillTx/>
+              <a:latin typeface="+mn-lt"/>
+              <a:ea typeface="+mn-ea"/>
+              <a:cs typeface="+mn-cs"/>
+            </a:endParaRPr>
+          </a:p>
+        </p:txBody>
+      </p:sp>
+    </p:spTree>
+  </p:cSld>
+  <p:clrMapOvr>
+    <a:masterClrMapping/>
+  </p:clrMapOvr>
+  <p:timing>
+    <p:tnLst>
+      <p:par>
+        <p:cTn id="1" dur="indefinite" restart="never" nodeType="tmRoot"/>
+      </p:par>
+    </p:tnLst>
+  </p:timing>
+</p:sld>
+</file>
+
+<file path=ppt/slides/slide20.xml><?xml version="1.0" encoding="utf-8"?>
+<p:sld xmlns:a="http://schemas.openxmlformats.org/drawingml/2006/main" xmlns:r="http://schemas.openxmlformats.org/officeDocument/2006/relationships" xmlns:p="http://schemas.openxmlformats.org/presentationml/2006/main">
+  <p:cSld>
+    <p:spTree>
+      <p:nvGrpSpPr>
+        <p:cNvPr id="1" name=""/>
+        <p:cNvGrpSpPr/>
+        <p:nvPr/>
+      </p:nvGrpSpPr>
+      <p:grpSpPr>
+        <a:xfrm>
+          <a:off x="0" y="0"/>
+          <a:ext cx="0" cy="0"/>
+          <a:chOff x="0" y="0"/>
+          <a:chExt cx="0" cy="0"/>
+        </a:xfrm>
+      </p:grpSpPr>
+      <p:sp>
+        <p:nvSpPr>
+          <p:cNvPr id="2" name="Заголовок 1"/>
+          <p:cNvSpPr>
+            <a:spLocks noGrp="1"/>
+          </p:cNvSpPr>
+          <p:nvPr>
+            <p:ph type="title"/>
+          </p:nvPr>
+        </p:nvSpPr>
         <p:spPr>
           <a:xfrm>
             <a:off x="0" y="274638"/>
@@ -8727,7 +7873,7 @@
             <a:fld id="{3DCB63D9-3FD3-4C3B-A045-98BC1BB0B6C2}" type="slidenum">
               <a:rPr lang="ru-RU" smtClean="0"/>
               <a:pPr/>
-              <a:t>24</a:t>
+              <a:t>20</a:t>
             </a:fld>
             <a:endParaRPr lang="ru-RU"/>
           </a:p>
@@ -8781,7 +7927,7 @@
 </p:sld>
 </file>
 
-<file path=ppt/slides/slide25.xml><?xml version="1.0" encoding="utf-8"?>
+<file path=ppt/slides/slide21.xml><?xml version="1.0" encoding="utf-8"?>
 <p:sld xmlns:a="http://schemas.openxmlformats.org/drawingml/2006/main" xmlns:r="http://schemas.openxmlformats.org/officeDocument/2006/relationships" xmlns:p="http://schemas.openxmlformats.org/presentationml/2006/main">
   <p:cSld>
     <p:spTree>
@@ -8846,7 +7992,7 @@
             <a:fld id="{3DCB63D9-3FD3-4C3B-A045-98BC1BB0B6C2}" type="slidenum">
               <a:rPr lang="ru-RU" smtClean="0"/>
               <a:pPr/>
-              <a:t>25</a:t>
+              <a:t>21</a:t>
             </a:fld>
             <a:endParaRPr lang="ru-RU"/>
           </a:p>
@@ -8897,7 +8043,7 @@
 </p:sld>
 </file>
 
-<file path=ppt/slides/slide26.xml><?xml version="1.0" encoding="utf-8"?>
+<file path=ppt/slides/slide22.xml><?xml version="1.0" encoding="utf-8"?>
 <p:sld xmlns:a="http://schemas.openxmlformats.org/drawingml/2006/main" xmlns:r="http://schemas.openxmlformats.org/officeDocument/2006/relationships" xmlns:p="http://schemas.openxmlformats.org/presentationml/2006/main">
   <p:cSld>
     <p:spTree>
@@ -8938,11 +8084,7 @@
           <a:p>
             <a:r>
               <a:rPr lang="ru-RU" dirty="0" smtClean="0"/>
-              <a:t>Экранные формы </a:t>
-            </a:r>
-            <a:r>
-              <a:rPr lang="ru-RU" dirty="0" smtClean="0"/>
-              <a:t>оценки прохождения</a:t>
+              <a:t>Экранные формы оценки прохождения</a:t>
             </a:r>
             <a:endParaRPr lang="ru-RU" dirty="0"/>
           </a:p>
@@ -8966,7 +8108,7 @@
             <a:fld id="{3DCB63D9-3FD3-4C3B-A045-98BC1BB0B6C2}" type="slidenum">
               <a:rPr lang="ru-RU" smtClean="0"/>
               <a:pPr/>
-              <a:t>26</a:t>
+              <a:t>22</a:t>
             </a:fld>
             <a:endParaRPr lang="ru-RU"/>
           </a:p>
@@ -9163,7 +8305,7 @@
 </p:sld>
 </file>
 
-<file path=ppt/slides/slide27.xml><?xml version="1.0" encoding="utf-8"?>
+<file path=ppt/slides/slide23.xml><?xml version="1.0" encoding="utf-8"?>
 <p:sld xmlns:a="http://schemas.openxmlformats.org/drawingml/2006/main" xmlns:r="http://schemas.openxmlformats.org/officeDocument/2006/relationships" xmlns:p="http://schemas.openxmlformats.org/presentationml/2006/main">
   <p:cSld>
     <p:spTree>
@@ -9221,7 +8363,7 @@
             <a:fld id="{3DCB63D9-3FD3-4C3B-A045-98BC1BB0B6C2}" type="slidenum">
               <a:rPr lang="ru-RU" smtClean="0"/>
               <a:pPr/>
-              <a:t>27</a:t>
+              <a:t>23</a:t>
             </a:fld>
             <a:endParaRPr lang="ru-RU"/>
           </a:p>
@@ -9921,7 +9063,7 @@
 </p:sld>
 </file>
 
-<file path=ppt/slides/slide28.xml><?xml version="1.0" encoding="utf-8"?>
+<file path=ppt/slides/slide24.xml><?xml version="1.0" encoding="utf-8"?>
 <p:sld xmlns:a="http://schemas.openxmlformats.org/drawingml/2006/main" xmlns:r="http://schemas.openxmlformats.org/officeDocument/2006/relationships" xmlns:p="http://schemas.openxmlformats.org/presentationml/2006/main">
   <p:cSld>
     <p:spTree>
@@ -10065,7 +9207,7 @@
             <a:fld id="{3DCB63D9-3FD3-4C3B-A045-98BC1BB0B6C2}" type="slidenum">
               <a:rPr lang="ru-RU" smtClean="0"/>
               <a:pPr/>
-              <a:t>28</a:t>
+              <a:t>24</a:t>
             </a:fld>
             <a:endParaRPr lang="ru-RU"/>
           </a:p>
@@ -10086,7 +9228,7 @@
 </p:sld>
 </file>
 
-<file path=ppt/slides/slide29.xml><?xml version="1.0" encoding="utf-8"?>
+<file path=ppt/slides/slide25.xml><?xml version="1.0" encoding="utf-8"?>
 <p:sld xmlns:a="http://schemas.openxmlformats.org/drawingml/2006/main" xmlns:r="http://schemas.openxmlformats.org/officeDocument/2006/relationships" xmlns:p="http://schemas.openxmlformats.org/presentationml/2006/main">
   <p:cSld>
     <p:spTree>
@@ -10144,7 +9286,7 @@
             <a:fld id="{3DCB63D9-3FD3-4C3B-A045-98BC1BB0B6C2}" type="slidenum">
               <a:rPr lang="ru-RU" smtClean="0"/>
               <a:pPr/>
-              <a:t>29</a:t>
+              <a:t>25</a:t>
             </a:fld>
             <a:endParaRPr lang="ru-RU"/>
           </a:p>
@@ -10230,6 +9372,150 @@
               <a:t>проведено тестирование работы модуля с реальными пользователями.</a:t>
             </a:r>
             <a:endParaRPr lang="ru-RU" dirty="0"/>
+          </a:p>
+        </p:txBody>
+      </p:sp>
+    </p:spTree>
+  </p:cSld>
+  <p:clrMapOvr>
+    <a:masterClrMapping/>
+  </p:clrMapOvr>
+  <p:timing>
+    <p:tnLst>
+      <p:par>
+        <p:cTn id="1" dur="indefinite" restart="never" nodeType="tmRoot"/>
+      </p:par>
+    </p:tnLst>
+  </p:timing>
+</p:sld>
+</file>
+
+<file path=ppt/slides/slide26.xml><?xml version="1.0" encoding="utf-8"?>
+<p:sld xmlns:a="http://schemas.openxmlformats.org/drawingml/2006/main" xmlns:r="http://schemas.openxmlformats.org/officeDocument/2006/relationships" xmlns:p="http://schemas.openxmlformats.org/presentationml/2006/main">
+  <p:cSld>
+    <p:spTree>
+      <p:nvGrpSpPr>
+        <p:cNvPr id="1" name=""/>
+        <p:cNvGrpSpPr/>
+        <p:nvPr/>
+      </p:nvGrpSpPr>
+      <p:grpSpPr>
+        <a:xfrm>
+          <a:off x="0" y="0"/>
+          <a:ext cx="0" cy="0"/>
+          <a:chOff x="0" y="0"/>
+          <a:chExt cx="0" cy="0"/>
+        </a:xfrm>
+      </p:grpSpPr>
+      <p:sp>
+        <p:nvSpPr>
+          <p:cNvPr id="2" name="Заголовок 1"/>
+          <p:cNvSpPr>
+            <a:spLocks noGrp="1"/>
+          </p:cNvSpPr>
+          <p:nvPr>
+            <p:ph type="title"/>
+          </p:nvPr>
+        </p:nvSpPr>
+        <p:spPr/>
+        <p:txBody>
+          <a:bodyPr>
+            <a:normAutofit fontScale="90000"/>
+          </a:bodyPr>
+          <a:lstStyle/>
+          <a:p>
+            <a:r>
+              <a:rPr lang="ru-RU" dirty="0" smtClean="0"/>
+              <a:t>Направления дальнейшей работы</a:t>
+            </a:r>
+            <a:endParaRPr lang="ru-RU" dirty="0"/>
+          </a:p>
+        </p:txBody>
+      </p:sp>
+      <p:sp>
+        <p:nvSpPr>
+          <p:cNvPr id="3" name="Содержимое 2"/>
+          <p:cNvSpPr>
+            <a:spLocks noGrp="1"/>
+          </p:cNvSpPr>
+          <p:nvPr>
+            <p:ph idx="1"/>
+          </p:nvPr>
+        </p:nvSpPr>
+        <p:spPr/>
+        <p:txBody>
+          <a:bodyPr/>
+          <a:lstStyle/>
+          <a:p>
+            <a:pPr>
+              <a:buFontTx/>
+              <a:buChar char="-"/>
+            </a:pPr>
+            <a:r>
+              <a:rPr lang="ru-RU" dirty="0" smtClean="0"/>
+              <a:t>расширение набора моделей пространств;</a:t>
+            </a:r>
+          </a:p>
+          <a:p>
+            <a:pPr>
+              <a:buFontTx/>
+              <a:buChar char="-"/>
+            </a:pPr>
+            <a:r>
+              <a:rPr lang="ru-RU" dirty="0" smtClean="0"/>
+              <a:t>создание инструмента для добавления моделей пространств пользователями;</a:t>
+            </a:r>
+          </a:p>
+          <a:p>
+            <a:pPr>
+              <a:buFontTx/>
+              <a:buChar char="-"/>
+            </a:pPr>
+            <a:r>
+              <a:rPr lang="ru-RU" dirty="0" smtClean="0"/>
+              <a:t>подключение модуля к </a:t>
+            </a:r>
+            <a:r>
+              <a:rPr lang="ru-RU" dirty="0" err="1" smtClean="0"/>
+              <a:t>веб-системе</a:t>
+            </a:r>
+            <a:r>
+              <a:rPr lang="ru-RU" dirty="0" smtClean="0"/>
+              <a:t> управления мобильными приложениями для </a:t>
+            </a:r>
+            <a:r>
+              <a:rPr lang="en-US" dirty="0" smtClean="0"/>
+              <a:t>PID</a:t>
+            </a:r>
+            <a:r>
+              <a:rPr lang="ru-RU" dirty="0" smtClean="0"/>
+              <a:t>.</a:t>
+            </a:r>
+            <a:endParaRPr lang="ru-RU" dirty="0"/>
+          </a:p>
+        </p:txBody>
+      </p:sp>
+      <p:sp>
+        <p:nvSpPr>
+          <p:cNvPr id="4" name="Номер слайда 3"/>
+          <p:cNvSpPr>
+            <a:spLocks noGrp="1"/>
+          </p:cNvSpPr>
+          <p:nvPr>
+            <p:ph type="sldNum" sz="quarter" idx="12"/>
+          </p:nvPr>
+        </p:nvSpPr>
+        <p:spPr/>
+        <p:txBody>
+          <a:bodyPr/>
+          <a:lstStyle/>
+          <a:p>
+            <a:fld id="{3DCB63D9-3FD3-4C3B-A045-98BC1BB0B6C2}" type="slidenum">
+              <a:rPr lang="ru-RU" smtClean="0"/>
+              <a:pPr/>
+              <a:t>26</a:t>
+            </a:fld>
+            <a:endParaRPr lang="ru-RU"/>
           </a:p>
         </p:txBody>
       </p:sp>
@@ -10698,150 +9984,6 @@
 </p:sld>
 </file>
 
-<file path=ppt/slides/slide30.xml><?xml version="1.0" encoding="utf-8"?>
-<p:sld xmlns:a="http://schemas.openxmlformats.org/drawingml/2006/main" xmlns:r="http://schemas.openxmlformats.org/officeDocument/2006/relationships" xmlns:p="http://schemas.openxmlformats.org/presentationml/2006/main">
-  <p:cSld>
-    <p:spTree>
-      <p:nvGrpSpPr>
-        <p:cNvPr id="1" name=""/>
-        <p:cNvGrpSpPr/>
-        <p:nvPr/>
-      </p:nvGrpSpPr>
-      <p:grpSpPr>
-        <a:xfrm>
-          <a:off x="0" y="0"/>
-          <a:ext cx="0" cy="0"/>
-          <a:chOff x="0" y="0"/>
-          <a:chExt cx="0" cy="0"/>
-        </a:xfrm>
-      </p:grpSpPr>
-      <p:sp>
-        <p:nvSpPr>
-          <p:cNvPr id="2" name="Заголовок 1"/>
-          <p:cNvSpPr>
-            <a:spLocks noGrp="1"/>
-          </p:cNvSpPr>
-          <p:nvPr>
-            <p:ph type="title"/>
-          </p:nvPr>
-        </p:nvSpPr>
-        <p:spPr/>
-        <p:txBody>
-          <a:bodyPr>
-            <a:normAutofit fontScale="90000"/>
-          </a:bodyPr>
-          <a:lstStyle/>
-          <a:p>
-            <a:r>
-              <a:rPr lang="ru-RU" dirty="0" smtClean="0"/>
-              <a:t>Направления дальнейшей работы</a:t>
-            </a:r>
-            <a:endParaRPr lang="ru-RU" dirty="0"/>
-          </a:p>
-        </p:txBody>
-      </p:sp>
-      <p:sp>
-        <p:nvSpPr>
-          <p:cNvPr id="3" name="Содержимое 2"/>
-          <p:cNvSpPr>
-            <a:spLocks noGrp="1"/>
-          </p:cNvSpPr>
-          <p:nvPr>
-            <p:ph idx="1"/>
-          </p:nvPr>
-        </p:nvSpPr>
-        <p:spPr/>
-        <p:txBody>
-          <a:bodyPr/>
-          <a:lstStyle/>
-          <a:p>
-            <a:pPr>
-              <a:buFontTx/>
-              <a:buChar char="-"/>
-            </a:pPr>
-            <a:r>
-              <a:rPr lang="ru-RU" dirty="0" smtClean="0"/>
-              <a:t>расширение набора моделей пространств;</a:t>
-            </a:r>
-          </a:p>
-          <a:p>
-            <a:pPr>
-              <a:buFontTx/>
-              <a:buChar char="-"/>
-            </a:pPr>
-            <a:r>
-              <a:rPr lang="ru-RU" dirty="0" smtClean="0"/>
-              <a:t>создание инструмента для добавления моделей пространств пользователями;</a:t>
-            </a:r>
-          </a:p>
-          <a:p>
-            <a:pPr>
-              <a:buFontTx/>
-              <a:buChar char="-"/>
-            </a:pPr>
-            <a:r>
-              <a:rPr lang="ru-RU" dirty="0" smtClean="0"/>
-              <a:t>подключение модуля к </a:t>
-            </a:r>
-            <a:r>
-              <a:rPr lang="ru-RU" dirty="0" err="1" smtClean="0"/>
-              <a:t>веб-системе</a:t>
-            </a:r>
-            <a:r>
-              <a:rPr lang="ru-RU" dirty="0" smtClean="0"/>
-              <a:t> управления мобильными приложениями для </a:t>
-            </a:r>
-            <a:r>
-              <a:rPr lang="en-US" dirty="0" smtClean="0"/>
-              <a:t>PID</a:t>
-            </a:r>
-            <a:r>
-              <a:rPr lang="ru-RU" dirty="0" smtClean="0"/>
-              <a:t>.</a:t>
-            </a:r>
-            <a:endParaRPr lang="ru-RU" dirty="0"/>
-          </a:p>
-        </p:txBody>
-      </p:sp>
-      <p:sp>
-        <p:nvSpPr>
-          <p:cNvPr id="4" name="Номер слайда 3"/>
-          <p:cNvSpPr>
-            <a:spLocks noGrp="1"/>
-          </p:cNvSpPr>
-          <p:nvPr>
-            <p:ph type="sldNum" sz="quarter" idx="12"/>
-          </p:nvPr>
-        </p:nvSpPr>
-        <p:spPr/>
-        <p:txBody>
-          <a:bodyPr/>
-          <a:lstStyle/>
-          <a:p>
-            <a:fld id="{3DCB63D9-3FD3-4C3B-A045-98BC1BB0B6C2}" type="slidenum">
-              <a:rPr lang="ru-RU" smtClean="0"/>
-              <a:pPr/>
-              <a:t>30</a:t>
-            </a:fld>
-            <a:endParaRPr lang="ru-RU"/>
-          </a:p>
-        </p:txBody>
-      </p:sp>
-    </p:spTree>
-  </p:cSld>
-  <p:clrMapOvr>
-    <a:masterClrMapping/>
-  </p:clrMapOvr>
-  <p:timing>
-    <p:tnLst>
-      <p:par>
-        <p:cTn id="1" dur="indefinite" restart="never" nodeType="tmRoot"/>
-      </p:par>
-    </p:tnLst>
-  </p:timing>
-</p:sld>
-</file>
-
 <file path=ppt/slides/slide4.xml><?xml version="1.0" encoding="utf-8"?>
 <p:sld xmlns:a="http://schemas.openxmlformats.org/drawingml/2006/main" xmlns:r="http://schemas.openxmlformats.org/officeDocument/2006/relationships" xmlns:p="http://schemas.openxmlformats.org/presentationml/2006/main">
   <p:cSld>
@@ -10869,12 +10011,7 @@
             <p:ph type="title"/>
           </p:nvPr>
         </p:nvSpPr>
-        <p:spPr>
-          <a:xfrm>
-            <a:off x="457200" y="2000240"/>
-            <a:ext cx="8229600" cy="2428892"/>
-          </a:xfrm>
-        </p:spPr>
+        <p:spPr/>
         <p:txBody>
           <a:bodyPr>
             <a:normAutofit fontScale="90000"/>
@@ -10883,7 +10020,7 @@
           <a:p>
             <a:r>
               <a:rPr lang="ru-RU" dirty="0" smtClean="0"/>
-              <a:t>1. Анализ способов генерации 2</a:t>
+              <a:t>Задача построения «2</a:t>
             </a:r>
             <a:r>
               <a:rPr lang="en-US" dirty="0" smtClean="0"/>
@@ -10891,12 +10028,239 @@
             </a:r>
             <a:r>
               <a:rPr lang="ru-RU" dirty="0" smtClean="0"/>
-              <a:t>маршрута на карте закрытого пространства</a:t>
-            </a:r>
-            <a:br>
-              <a:rPr lang="ru-RU" dirty="0" smtClean="0"/>
-            </a:br>
+              <a:t>прогулки»</a:t>
+            </a:r>
             <a:endParaRPr lang="ru-RU" dirty="0"/>
+          </a:p>
+        </p:txBody>
+      </p:sp>
+      <p:sp>
+        <p:nvSpPr>
+          <p:cNvPr id="3" name="Содержимое 2"/>
+          <p:cNvSpPr>
+            <a:spLocks noGrp="1"/>
+          </p:cNvSpPr>
+          <p:nvPr>
+            <p:ph idx="1"/>
+          </p:nvPr>
+        </p:nvSpPr>
+        <p:spPr/>
+        <p:txBody>
+          <a:bodyPr>
+            <a:normAutofit fontScale="85000" lnSpcReduction="20000"/>
+          </a:bodyPr>
+          <a:lstStyle/>
+          <a:p>
+            <a:pPr marL="0" indent="0" algn="just">
+              <a:lnSpc>
+                <a:spcPct val="150000"/>
+              </a:lnSpc>
+              <a:spcBef>
+                <a:spcPts val="0"/>
+              </a:spcBef>
+              <a:buNone/>
+            </a:pPr>
+            <a:r>
+              <a:rPr lang="ru-RU" sz="2800" dirty="0" smtClean="0"/>
+              <a:t>«</a:t>
+            </a:r>
+            <a:r>
+              <a:rPr lang="ru-RU" sz="2800" dirty="0"/>
+              <a:t>2</a:t>
+            </a:r>
+            <a:r>
+              <a:rPr lang="en-US" sz="2800" dirty="0"/>
+              <a:t>D</a:t>
+            </a:r>
+            <a:r>
+              <a:rPr lang="ru-RU" sz="2800" dirty="0"/>
+              <a:t> </a:t>
+            </a:r>
+            <a:r>
+              <a:rPr lang="ru-RU" sz="2800" dirty="0" smtClean="0"/>
+              <a:t>прогулка» </a:t>
+            </a:r>
+            <a:r>
+              <a:rPr lang="ru-RU" sz="2800" dirty="0"/>
+              <a:t>(«2</a:t>
+            </a:r>
+            <a:r>
+              <a:rPr lang="en-US" sz="2800" dirty="0"/>
+              <a:t>D walkthrough</a:t>
+            </a:r>
+            <a:r>
+              <a:rPr lang="ru-RU" sz="2800" dirty="0"/>
+              <a:t>») </a:t>
+            </a:r>
+            <a:r>
+              <a:rPr lang="ru-RU" sz="2800" dirty="0" smtClean="0"/>
+              <a:t>– это 2</a:t>
+            </a:r>
+            <a:r>
+              <a:rPr lang="en-US" sz="2800" dirty="0"/>
+              <a:t>D</a:t>
+            </a:r>
+            <a:r>
+              <a:rPr lang="ru-RU" sz="2800" dirty="0"/>
+              <a:t> </a:t>
+            </a:r>
+            <a:r>
+              <a:rPr lang="ru-RU" sz="2800" dirty="0" smtClean="0"/>
+              <a:t>маршрут </a:t>
+            </a:r>
+            <a:r>
+              <a:rPr lang="ru-RU" sz="2800" dirty="0"/>
+              <a:t>на карте закрытого </a:t>
+            </a:r>
+            <a:r>
+              <a:rPr lang="ru-RU" sz="2800" dirty="0" smtClean="0"/>
+              <a:t>пространства.</a:t>
+            </a:r>
+          </a:p>
+          <a:p>
+            <a:pPr marL="0" indent="0" algn="just">
+              <a:lnSpc>
+                <a:spcPct val="150000"/>
+              </a:lnSpc>
+              <a:spcBef>
+                <a:spcPts val="0"/>
+              </a:spcBef>
+              <a:buNone/>
+            </a:pPr>
+            <a:endParaRPr lang="ru-RU" sz="2800" dirty="0" smtClean="0"/>
+          </a:p>
+          <a:p>
+            <a:pPr marL="0" indent="0">
+              <a:lnSpc>
+                <a:spcPct val="150000"/>
+              </a:lnSpc>
+              <a:spcBef>
+                <a:spcPts val="0"/>
+              </a:spcBef>
+              <a:buNone/>
+            </a:pPr>
+            <a:r>
+              <a:rPr lang="ru-RU" sz="2800" dirty="0" smtClean="0"/>
+              <a:t>Этапы </a:t>
+            </a:r>
+            <a:r>
+              <a:rPr lang="ru-RU" sz="2800" dirty="0"/>
+              <a:t>генерации 2</a:t>
+            </a:r>
+            <a:r>
+              <a:rPr lang="en-US" sz="2800" dirty="0"/>
+              <a:t>D</a:t>
+            </a:r>
+            <a:r>
+              <a:rPr lang="ru-RU" sz="2800" dirty="0"/>
+              <a:t> </a:t>
+            </a:r>
+            <a:r>
+              <a:rPr lang="ru-RU" sz="2800" dirty="0" smtClean="0"/>
+              <a:t>маршрута:</a:t>
+            </a:r>
+            <a:endParaRPr lang="ru-RU" sz="2800" dirty="0"/>
+          </a:p>
+          <a:p>
+            <a:pPr marL="514350" lvl="0" indent="-514350">
+              <a:lnSpc>
+                <a:spcPct val="150000"/>
+              </a:lnSpc>
+              <a:spcBef>
+                <a:spcPts val="0"/>
+              </a:spcBef>
+              <a:buFont typeface="+mj-lt"/>
+              <a:buAutoNum type="arabicParenR"/>
+            </a:pPr>
+            <a:r>
+              <a:rPr lang="ru-RU" sz="2800" dirty="0" smtClean="0"/>
+              <a:t>отображение </a:t>
+            </a:r>
+            <a:r>
+              <a:rPr lang="ru-RU" sz="2800" dirty="0"/>
+              <a:t>карты закрытого </a:t>
+            </a:r>
+            <a:r>
+              <a:rPr lang="ru-RU" sz="2800" dirty="0" smtClean="0"/>
+              <a:t>пространства;</a:t>
+            </a:r>
+          </a:p>
+          <a:p>
+            <a:pPr marL="514350" lvl="0" indent="-514350">
+              <a:lnSpc>
+                <a:spcPct val="150000"/>
+              </a:lnSpc>
+              <a:spcBef>
+                <a:spcPts val="0"/>
+              </a:spcBef>
+              <a:buFont typeface="+mj-lt"/>
+              <a:buAutoNum type="arabicParenR"/>
+            </a:pPr>
+            <a:r>
+              <a:rPr lang="ru-RU" sz="2800" dirty="0" smtClean="0"/>
+              <a:t>построение </a:t>
+            </a:r>
+            <a:r>
+              <a:rPr lang="ru-RU" sz="2800" dirty="0"/>
+              <a:t>маршрута через две и более заданные на карте </a:t>
+            </a:r>
+            <a:r>
+              <a:rPr lang="ru-RU" sz="2800" dirty="0" smtClean="0"/>
+              <a:t>точки;</a:t>
+            </a:r>
+          </a:p>
+          <a:p>
+            <a:pPr marL="514350" lvl="0" indent="-514350">
+              <a:lnSpc>
+                <a:spcPct val="150000"/>
+              </a:lnSpc>
+              <a:spcBef>
+                <a:spcPts val="0"/>
+              </a:spcBef>
+              <a:buFont typeface="+mj-lt"/>
+              <a:buAutoNum type="arabicParenR"/>
+            </a:pPr>
+            <a:r>
+              <a:rPr lang="ru-RU" sz="2800" dirty="0" smtClean="0"/>
+              <a:t>изображение </a:t>
+            </a:r>
+            <a:r>
+              <a:rPr lang="ru-RU" sz="2800" dirty="0"/>
+              <a:t>маршрута на карте </a:t>
+            </a:r>
+            <a:r>
+              <a:rPr lang="ru-RU" sz="2800" dirty="0" smtClean="0"/>
+              <a:t>пространства;</a:t>
+            </a:r>
+          </a:p>
+          <a:p>
+            <a:pPr marL="514350" lvl="0" indent="-514350">
+              <a:lnSpc>
+                <a:spcPct val="150000"/>
+              </a:lnSpc>
+              <a:spcBef>
+                <a:spcPts val="0"/>
+              </a:spcBef>
+              <a:buFont typeface="+mj-lt"/>
+              <a:buAutoNum type="arabicParenR"/>
+            </a:pPr>
+            <a:r>
+              <a:rPr lang="ru-RU" sz="2800" dirty="0" smtClean="0"/>
+              <a:t>моделирование </a:t>
+            </a:r>
+            <a:r>
+              <a:rPr lang="ru-RU" sz="2800" dirty="0"/>
+              <a:t>прохождения маршрута.</a:t>
+            </a:r>
+          </a:p>
+          <a:p>
+            <a:pPr marL="0" indent="0" algn="just">
+              <a:spcBef>
+                <a:spcPts val="0"/>
+              </a:spcBef>
+              <a:buNone/>
+            </a:pPr>
+            <a:endParaRPr lang="ru-RU" sz="2800" dirty="0"/>
           </a:p>
         </p:txBody>
       </p:sp>
@@ -10940,325 +10304,6 @@
 </file>
 
 <file path=ppt/slides/slide5.xml><?xml version="1.0" encoding="utf-8"?>
-<p:sld xmlns:a="http://schemas.openxmlformats.org/drawingml/2006/main" xmlns:r="http://schemas.openxmlformats.org/officeDocument/2006/relationships" xmlns:p="http://schemas.openxmlformats.org/presentationml/2006/main">
-  <p:cSld>
-    <p:spTree>
-      <p:nvGrpSpPr>
-        <p:cNvPr id="1" name=""/>
-        <p:cNvGrpSpPr/>
-        <p:nvPr/>
-      </p:nvGrpSpPr>
-      <p:grpSpPr>
-        <a:xfrm>
-          <a:off x="0" y="0"/>
-          <a:ext cx="0" cy="0"/>
-          <a:chOff x="0" y="0"/>
-          <a:chExt cx="0" cy="0"/>
-        </a:xfrm>
-      </p:grpSpPr>
-      <p:sp>
-        <p:nvSpPr>
-          <p:cNvPr id="2" name="Заголовок 1"/>
-          <p:cNvSpPr>
-            <a:spLocks noGrp="1"/>
-          </p:cNvSpPr>
-          <p:nvPr>
-            <p:ph type="title"/>
-          </p:nvPr>
-        </p:nvSpPr>
-        <p:spPr/>
-        <p:txBody>
-          <a:bodyPr>
-            <a:normAutofit fontScale="90000"/>
-          </a:bodyPr>
-          <a:lstStyle/>
-          <a:p>
-            <a:r>
-              <a:rPr lang="ru-RU" dirty="0" smtClean="0"/>
-              <a:t>Задача построения «2</a:t>
-            </a:r>
-            <a:r>
-              <a:rPr lang="en-US" dirty="0" smtClean="0"/>
-              <a:t>D </a:t>
-            </a:r>
-            <a:r>
-              <a:rPr lang="ru-RU" dirty="0" smtClean="0"/>
-              <a:t>прогулки»</a:t>
-            </a:r>
-            <a:endParaRPr lang="ru-RU" dirty="0"/>
-          </a:p>
-        </p:txBody>
-      </p:sp>
-      <p:sp>
-        <p:nvSpPr>
-          <p:cNvPr id="3" name="Содержимое 2"/>
-          <p:cNvSpPr>
-            <a:spLocks noGrp="1"/>
-          </p:cNvSpPr>
-          <p:nvPr>
-            <p:ph idx="1"/>
-          </p:nvPr>
-        </p:nvSpPr>
-        <p:spPr/>
-        <p:txBody>
-          <a:bodyPr>
-            <a:normAutofit fontScale="85000" lnSpcReduction="20000"/>
-          </a:bodyPr>
-          <a:lstStyle/>
-          <a:p>
-            <a:pPr marL="0" indent="0" algn="just">
-              <a:lnSpc>
-                <a:spcPct val="150000"/>
-              </a:lnSpc>
-              <a:spcBef>
-                <a:spcPts val="0"/>
-              </a:spcBef>
-              <a:buNone/>
-            </a:pPr>
-            <a:r>
-              <a:rPr lang="ru-RU" sz="2800" dirty="0" smtClean="0"/>
-              <a:t>«</a:t>
-            </a:r>
-            <a:r>
-              <a:rPr lang="ru-RU" sz="2800" dirty="0"/>
-              <a:t>2</a:t>
-            </a:r>
-            <a:r>
-              <a:rPr lang="en-US" sz="2800" dirty="0"/>
-              <a:t>D</a:t>
-            </a:r>
-            <a:r>
-              <a:rPr lang="ru-RU" sz="2800" dirty="0"/>
-              <a:t> </a:t>
-            </a:r>
-            <a:r>
-              <a:rPr lang="ru-RU" sz="2800" dirty="0" smtClean="0"/>
-              <a:t>прогулка» </a:t>
-            </a:r>
-            <a:r>
-              <a:rPr lang="ru-RU" sz="2800" dirty="0"/>
-              <a:t>(«2</a:t>
-            </a:r>
-            <a:r>
-              <a:rPr lang="en-US" sz="2800" dirty="0"/>
-              <a:t>D walkthrough</a:t>
-            </a:r>
-            <a:r>
-              <a:rPr lang="ru-RU" sz="2800" dirty="0"/>
-              <a:t>») </a:t>
-            </a:r>
-            <a:r>
-              <a:rPr lang="ru-RU" sz="2800" dirty="0" smtClean="0"/>
-              <a:t>– это 2</a:t>
-            </a:r>
-            <a:r>
-              <a:rPr lang="en-US" sz="2800" dirty="0"/>
-              <a:t>D</a:t>
-            </a:r>
-            <a:r>
-              <a:rPr lang="ru-RU" sz="2800" dirty="0"/>
-              <a:t> </a:t>
-            </a:r>
-            <a:r>
-              <a:rPr lang="ru-RU" sz="2800" dirty="0" smtClean="0"/>
-              <a:t>маршрут </a:t>
-            </a:r>
-            <a:r>
-              <a:rPr lang="ru-RU" sz="2800" dirty="0"/>
-              <a:t>на карте закрытого </a:t>
-            </a:r>
-            <a:r>
-              <a:rPr lang="ru-RU" sz="2800" dirty="0" smtClean="0"/>
-              <a:t>пространства.</a:t>
-            </a:r>
-          </a:p>
-          <a:p>
-            <a:pPr marL="0" indent="0" algn="just">
-              <a:lnSpc>
-                <a:spcPct val="150000"/>
-              </a:lnSpc>
-              <a:spcBef>
-                <a:spcPts val="0"/>
-              </a:spcBef>
-              <a:buNone/>
-            </a:pPr>
-            <a:endParaRPr lang="ru-RU" sz="2800" dirty="0" smtClean="0"/>
-          </a:p>
-          <a:p>
-            <a:pPr marL="0" indent="0">
-              <a:lnSpc>
-                <a:spcPct val="150000"/>
-              </a:lnSpc>
-              <a:spcBef>
-                <a:spcPts val="0"/>
-              </a:spcBef>
-              <a:buNone/>
-            </a:pPr>
-            <a:r>
-              <a:rPr lang="ru-RU" sz="2800" dirty="0" smtClean="0"/>
-              <a:t>Этапы </a:t>
-            </a:r>
-            <a:r>
-              <a:rPr lang="ru-RU" sz="2800" dirty="0"/>
-              <a:t>генерации 2</a:t>
-            </a:r>
-            <a:r>
-              <a:rPr lang="en-US" sz="2800" dirty="0"/>
-              <a:t>D</a:t>
-            </a:r>
-            <a:r>
-              <a:rPr lang="ru-RU" sz="2800" dirty="0"/>
-              <a:t> </a:t>
-            </a:r>
-            <a:r>
-              <a:rPr lang="ru-RU" sz="2800" dirty="0" smtClean="0"/>
-              <a:t>маршрута:</a:t>
-            </a:r>
-            <a:endParaRPr lang="ru-RU" sz="2800" dirty="0"/>
-          </a:p>
-          <a:p>
-            <a:pPr marL="514350" lvl="0" indent="-514350">
-              <a:lnSpc>
-                <a:spcPct val="150000"/>
-              </a:lnSpc>
-              <a:spcBef>
-                <a:spcPts val="0"/>
-              </a:spcBef>
-              <a:buFont typeface="+mj-lt"/>
-              <a:buAutoNum type="arabicParenR"/>
-            </a:pPr>
-            <a:r>
-              <a:rPr lang="ru-RU" sz="2800" dirty="0" smtClean="0"/>
-              <a:t>отображение </a:t>
-            </a:r>
-            <a:r>
-              <a:rPr lang="ru-RU" sz="2800" dirty="0"/>
-              <a:t>карты закрытого </a:t>
-            </a:r>
-            <a:r>
-              <a:rPr lang="ru-RU" sz="2800" dirty="0" smtClean="0"/>
-              <a:t>пространства;</a:t>
-            </a:r>
-          </a:p>
-          <a:p>
-            <a:pPr marL="514350" lvl="0" indent="-514350">
-              <a:lnSpc>
-                <a:spcPct val="150000"/>
-              </a:lnSpc>
-              <a:spcBef>
-                <a:spcPts val="0"/>
-              </a:spcBef>
-              <a:buFont typeface="+mj-lt"/>
-              <a:buAutoNum type="arabicParenR"/>
-            </a:pPr>
-            <a:r>
-              <a:rPr lang="ru-RU" sz="2800" dirty="0" smtClean="0"/>
-              <a:t>построение </a:t>
-            </a:r>
-            <a:r>
-              <a:rPr lang="ru-RU" sz="2800" dirty="0"/>
-              <a:t>маршрута через две и более заданные на карте </a:t>
-            </a:r>
-            <a:r>
-              <a:rPr lang="ru-RU" sz="2800" dirty="0" smtClean="0"/>
-              <a:t>точки;</a:t>
-            </a:r>
-          </a:p>
-          <a:p>
-            <a:pPr marL="514350" lvl="0" indent="-514350">
-              <a:lnSpc>
-                <a:spcPct val="150000"/>
-              </a:lnSpc>
-              <a:spcBef>
-                <a:spcPts val="0"/>
-              </a:spcBef>
-              <a:buFont typeface="+mj-lt"/>
-              <a:buAutoNum type="arabicParenR"/>
-            </a:pPr>
-            <a:r>
-              <a:rPr lang="ru-RU" sz="2800" dirty="0" smtClean="0"/>
-              <a:t>изображение </a:t>
-            </a:r>
-            <a:r>
-              <a:rPr lang="ru-RU" sz="2800" dirty="0"/>
-              <a:t>маршрута на карте </a:t>
-            </a:r>
-            <a:r>
-              <a:rPr lang="ru-RU" sz="2800" dirty="0" smtClean="0"/>
-              <a:t>пространства;</a:t>
-            </a:r>
-          </a:p>
-          <a:p>
-            <a:pPr marL="514350" lvl="0" indent="-514350">
-              <a:lnSpc>
-                <a:spcPct val="150000"/>
-              </a:lnSpc>
-              <a:spcBef>
-                <a:spcPts val="0"/>
-              </a:spcBef>
-              <a:buFont typeface="+mj-lt"/>
-              <a:buAutoNum type="arabicParenR"/>
-            </a:pPr>
-            <a:r>
-              <a:rPr lang="ru-RU" sz="2800" dirty="0" smtClean="0"/>
-              <a:t>моделирование </a:t>
-            </a:r>
-            <a:r>
-              <a:rPr lang="ru-RU" sz="2800" dirty="0"/>
-              <a:t>прохождения маршрута.</a:t>
-            </a:r>
-          </a:p>
-          <a:p>
-            <a:pPr marL="0" indent="0" algn="just">
-              <a:spcBef>
-                <a:spcPts val="0"/>
-              </a:spcBef>
-              <a:buNone/>
-            </a:pPr>
-            <a:endParaRPr lang="ru-RU" sz="2800" dirty="0"/>
-          </a:p>
-        </p:txBody>
-      </p:sp>
-      <p:sp>
-        <p:nvSpPr>
-          <p:cNvPr id="4" name="Номер слайда 3"/>
-          <p:cNvSpPr>
-            <a:spLocks noGrp="1"/>
-          </p:cNvSpPr>
-          <p:nvPr>
-            <p:ph type="sldNum" sz="quarter" idx="12"/>
-          </p:nvPr>
-        </p:nvSpPr>
-        <p:spPr/>
-        <p:txBody>
-          <a:bodyPr/>
-          <a:lstStyle/>
-          <a:p>
-            <a:fld id="{3DCB63D9-3FD3-4C3B-A045-98BC1BB0B6C2}" type="slidenum">
-              <a:rPr lang="ru-RU" smtClean="0"/>
-              <a:pPr/>
-              <a:t>5</a:t>
-            </a:fld>
-            <a:endParaRPr lang="ru-RU"/>
-          </a:p>
-        </p:txBody>
-      </p:sp>
-    </p:spTree>
-  </p:cSld>
-  <p:clrMapOvr>
-    <a:masterClrMapping/>
-  </p:clrMapOvr>
-  <p:timing>
-    <p:tnLst>
-      <p:par>
-        <p:cTn id="1" dur="indefinite" restart="never" nodeType="tmRoot"/>
-      </p:par>
-    </p:tnLst>
-  </p:timing>
-</p:sld>
-</file>
-
-<file path=ppt/slides/slide6.xml><?xml version="1.0" encoding="utf-8"?>
 <p:sld xmlns:a="http://schemas.openxmlformats.org/drawingml/2006/main" xmlns:r="http://schemas.openxmlformats.org/officeDocument/2006/relationships" xmlns:p="http://schemas.openxmlformats.org/presentationml/2006/main">
   <p:cSld>
     <p:spTree>
@@ -11629,6 +10674,152 @@
             <a:fld id="{3DCB63D9-3FD3-4C3B-A045-98BC1BB0B6C2}" type="slidenum">
               <a:rPr lang="ru-RU" smtClean="0"/>
               <a:pPr/>
+              <a:t>5</a:t>
+            </a:fld>
+            <a:endParaRPr lang="ru-RU"/>
+          </a:p>
+        </p:txBody>
+      </p:sp>
+    </p:spTree>
+  </p:cSld>
+  <p:clrMapOvr>
+    <a:masterClrMapping/>
+  </p:clrMapOvr>
+  <p:timing>
+    <p:tnLst>
+      <p:par>
+        <p:cTn id="1" dur="indefinite" restart="never" nodeType="tmRoot"/>
+      </p:par>
+    </p:tnLst>
+  </p:timing>
+</p:sld>
+</file>
+
+<file path=ppt/slides/slide6.xml><?xml version="1.0" encoding="utf-8"?>
+<p:sld xmlns:a="http://schemas.openxmlformats.org/drawingml/2006/main" xmlns:r="http://schemas.openxmlformats.org/officeDocument/2006/relationships" xmlns:p="http://schemas.openxmlformats.org/presentationml/2006/main">
+  <p:cSld>
+    <p:spTree>
+      <p:nvGrpSpPr>
+        <p:cNvPr id="1" name=""/>
+        <p:cNvGrpSpPr/>
+        <p:nvPr/>
+      </p:nvGrpSpPr>
+      <p:grpSpPr>
+        <a:xfrm>
+          <a:off x="0" y="0"/>
+          <a:ext cx="0" cy="0"/>
+          <a:chOff x="0" y="0"/>
+          <a:chExt cx="0" cy="0"/>
+        </a:xfrm>
+      </p:grpSpPr>
+      <p:sp>
+        <p:nvSpPr>
+          <p:cNvPr id="2" name="Заголовок 1"/>
+          <p:cNvSpPr>
+            <a:spLocks noGrp="1"/>
+          </p:cNvSpPr>
+          <p:nvPr>
+            <p:ph type="title"/>
+          </p:nvPr>
+        </p:nvSpPr>
+        <p:spPr/>
+        <p:txBody>
+          <a:bodyPr/>
+          <a:lstStyle/>
+          <a:p>
+            <a:r>
+              <a:rPr lang="ru-RU" dirty="0" smtClean="0"/>
+              <a:t>Процесс построения маршрута</a:t>
+            </a:r>
+            <a:endParaRPr lang="ru-RU" dirty="0"/>
+          </a:p>
+        </p:txBody>
+      </p:sp>
+      <p:sp>
+        <p:nvSpPr>
+          <p:cNvPr id="3" name="Содержимое 2"/>
+          <p:cNvSpPr>
+            <a:spLocks noGrp="1"/>
+          </p:cNvSpPr>
+          <p:nvPr>
+            <p:ph idx="1"/>
+          </p:nvPr>
+        </p:nvSpPr>
+        <p:spPr/>
+        <p:txBody>
+          <a:bodyPr>
+            <a:normAutofit fontScale="92500" lnSpcReduction="20000"/>
+          </a:bodyPr>
+          <a:lstStyle/>
+          <a:p>
+            <a:pPr marL="514350" indent="-514350">
+              <a:lnSpc>
+                <a:spcPct val="170000"/>
+              </a:lnSpc>
+              <a:buNone/>
+            </a:pPr>
+            <a:r>
+              <a:rPr lang="ru-RU" dirty="0" smtClean="0"/>
+              <a:t>1. Формализовать пространство в виде графа</a:t>
+            </a:r>
+          </a:p>
+          <a:p>
+            <a:pPr marL="514350" indent="-514350">
+              <a:lnSpc>
+                <a:spcPct val="170000"/>
+              </a:lnSpc>
+              <a:buNone/>
+            </a:pPr>
+            <a:r>
+              <a:rPr lang="ru-RU" dirty="0" smtClean="0"/>
+              <a:t>2. Задать список вершин, через которые должен проходить маршрут</a:t>
+            </a:r>
+          </a:p>
+          <a:p>
+            <a:pPr marL="514350" indent="-514350">
+              <a:lnSpc>
+                <a:spcPct val="170000"/>
+              </a:lnSpc>
+              <a:buNone/>
+            </a:pPr>
+            <a:r>
+              <a:rPr lang="ru-RU" dirty="0" smtClean="0"/>
+              <a:t>3. Найти путь между каждой парой заданных вершин</a:t>
+            </a:r>
+          </a:p>
+          <a:p>
+            <a:pPr marL="514350" indent="-514350">
+              <a:lnSpc>
+                <a:spcPct val="170000"/>
+              </a:lnSpc>
+              <a:buNone/>
+            </a:pPr>
+            <a:r>
+              <a:rPr lang="ru-RU" dirty="0" smtClean="0"/>
+              <a:t>4. Найти путь обхода вершин</a:t>
+            </a:r>
+            <a:endParaRPr lang="ru-RU" dirty="0"/>
+          </a:p>
+        </p:txBody>
+      </p:sp>
+      <p:sp>
+        <p:nvSpPr>
+          <p:cNvPr id="4" name="Номер слайда 3"/>
+          <p:cNvSpPr>
+            <a:spLocks noGrp="1"/>
+          </p:cNvSpPr>
+          <p:nvPr>
+            <p:ph type="sldNum" sz="quarter" idx="12"/>
+          </p:nvPr>
+        </p:nvSpPr>
+        <p:spPr/>
+        <p:txBody>
+          <a:bodyPr/>
+          <a:lstStyle/>
+          <a:p>
+            <a:fld id="{3DCB63D9-3FD3-4C3B-A045-98BC1BB0B6C2}" type="slidenum">
+              <a:rPr lang="ru-RU" smtClean="0"/>
+              <a:pPr/>
               <a:t>6</a:t>
             </a:fld>
             <a:endParaRPr lang="ru-RU"/>
@@ -11684,152 +10875,6 @@
           <a:p>
             <a:r>
               <a:rPr lang="ru-RU" dirty="0" smtClean="0"/>
-              <a:t>Процесс построения маршрута</a:t>
-            </a:r>
-            <a:endParaRPr lang="ru-RU" dirty="0"/>
-          </a:p>
-        </p:txBody>
-      </p:sp>
-      <p:sp>
-        <p:nvSpPr>
-          <p:cNvPr id="3" name="Содержимое 2"/>
-          <p:cNvSpPr>
-            <a:spLocks noGrp="1"/>
-          </p:cNvSpPr>
-          <p:nvPr>
-            <p:ph idx="1"/>
-          </p:nvPr>
-        </p:nvSpPr>
-        <p:spPr/>
-        <p:txBody>
-          <a:bodyPr>
-            <a:normAutofit fontScale="92500" lnSpcReduction="20000"/>
-          </a:bodyPr>
-          <a:lstStyle/>
-          <a:p>
-            <a:pPr marL="514350" indent="-514350">
-              <a:lnSpc>
-                <a:spcPct val="170000"/>
-              </a:lnSpc>
-              <a:buNone/>
-            </a:pPr>
-            <a:r>
-              <a:rPr lang="ru-RU" dirty="0" smtClean="0"/>
-              <a:t>1. Формализовать пространство в виде графа</a:t>
-            </a:r>
-          </a:p>
-          <a:p>
-            <a:pPr marL="514350" indent="-514350">
-              <a:lnSpc>
-                <a:spcPct val="170000"/>
-              </a:lnSpc>
-              <a:buNone/>
-            </a:pPr>
-            <a:r>
-              <a:rPr lang="ru-RU" dirty="0" smtClean="0"/>
-              <a:t>2. Задать список вершин, через которые должен проходить маршрут</a:t>
-            </a:r>
-          </a:p>
-          <a:p>
-            <a:pPr marL="514350" indent="-514350">
-              <a:lnSpc>
-                <a:spcPct val="170000"/>
-              </a:lnSpc>
-              <a:buNone/>
-            </a:pPr>
-            <a:r>
-              <a:rPr lang="ru-RU" dirty="0" smtClean="0"/>
-              <a:t>3. Найти путь между каждой парой заданных вершин</a:t>
-            </a:r>
-          </a:p>
-          <a:p>
-            <a:pPr marL="514350" indent="-514350">
-              <a:lnSpc>
-                <a:spcPct val="170000"/>
-              </a:lnSpc>
-              <a:buNone/>
-            </a:pPr>
-            <a:r>
-              <a:rPr lang="ru-RU" dirty="0" smtClean="0"/>
-              <a:t>4. Найти путь обхода вершин</a:t>
-            </a:r>
-            <a:endParaRPr lang="ru-RU" dirty="0"/>
-          </a:p>
-        </p:txBody>
-      </p:sp>
-      <p:sp>
-        <p:nvSpPr>
-          <p:cNvPr id="4" name="Номер слайда 3"/>
-          <p:cNvSpPr>
-            <a:spLocks noGrp="1"/>
-          </p:cNvSpPr>
-          <p:nvPr>
-            <p:ph type="sldNum" sz="quarter" idx="12"/>
-          </p:nvPr>
-        </p:nvSpPr>
-        <p:spPr/>
-        <p:txBody>
-          <a:bodyPr/>
-          <a:lstStyle/>
-          <a:p>
-            <a:fld id="{3DCB63D9-3FD3-4C3B-A045-98BC1BB0B6C2}" type="slidenum">
-              <a:rPr lang="ru-RU" smtClean="0"/>
-              <a:pPr/>
-              <a:t>7</a:t>
-            </a:fld>
-            <a:endParaRPr lang="ru-RU"/>
-          </a:p>
-        </p:txBody>
-      </p:sp>
-    </p:spTree>
-  </p:cSld>
-  <p:clrMapOvr>
-    <a:masterClrMapping/>
-  </p:clrMapOvr>
-  <p:timing>
-    <p:tnLst>
-      <p:par>
-        <p:cTn id="1" dur="indefinite" restart="never" nodeType="tmRoot"/>
-      </p:par>
-    </p:tnLst>
-  </p:timing>
-</p:sld>
-</file>
-
-<file path=ppt/slides/slide8.xml><?xml version="1.0" encoding="utf-8"?>
-<p:sld xmlns:a="http://schemas.openxmlformats.org/drawingml/2006/main" xmlns:r="http://schemas.openxmlformats.org/officeDocument/2006/relationships" xmlns:p="http://schemas.openxmlformats.org/presentationml/2006/main">
-  <p:cSld>
-    <p:spTree>
-      <p:nvGrpSpPr>
-        <p:cNvPr id="1" name=""/>
-        <p:cNvGrpSpPr/>
-        <p:nvPr/>
-      </p:nvGrpSpPr>
-      <p:grpSpPr>
-        <a:xfrm>
-          <a:off x="0" y="0"/>
-          <a:ext cx="0" cy="0"/>
-          <a:chOff x="0" y="0"/>
-          <a:chExt cx="0" cy="0"/>
-        </a:xfrm>
-      </p:grpSpPr>
-      <p:sp>
-        <p:nvSpPr>
-          <p:cNvPr id="2" name="Заголовок 1"/>
-          <p:cNvSpPr>
-            <a:spLocks noGrp="1"/>
-          </p:cNvSpPr>
-          <p:nvPr>
-            <p:ph type="title"/>
-          </p:nvPr>
-        </p:nvSpPr>
-        <p:spPr/>
-        <p:txBody>
-          <a:bodyPr/>
-          <a:lstStyle/>
-          <a:p>
-            <a:r>
-              <a:rPr lang="ru-RU" dirty="0" smtClean="0"/>
               <a:t>Алгоритмы поиска пути</a:t>
             </a:r>
             <a:endParaRPr lang="ru-RU" dirty="0"/>
@@ -12549,7 +11594,7 @@
             <a:fld id="{3DCB63D9-3FD3-4C3B-A045-98BC1BB0B6C2}" type="slidenum">
               <a:rPr lang="ru-RU" smtClean="0"/>
               <a:pPr/>
-              <a:t>8</a:t>
+              <a:t>7</a:t>
             </a:fld>
             <a:endParaRPr lang="ru-RU"/>
           </a:p>
@@ -12570,7 +11615,7 @@
 </p:sld>
 </file>
 
-<file path=ppt/slides/slide9.xml><?xml version="1.0" encoding="utf-8"?>
+<file path=ppt/slides/slide8.xml><?xml version="1.0" encoding="utf-8"?>
 <p:sld xmlns:a="http://schemas.openxmlformats.org/drawingml/2006/main" xmlns:r="http://schemas.openxmlformats.org/officeDocument/2006/relationships" xmlns:p="http://schemas.openxmlformats.org/presentationml/2006/main">
   <p:cSld>
     <p:spTree>
@@ -13528,12 +12573,567 @@
             <a:fld id="{3DCB63D9-3FD3-4C3B-A045-98BC1BB0B6C2}" type="slidenum">
               <a:rPr lang="ru-RU" smtClean="0"/>
               <a:pPr/>
+              <a:t>8</a:t>
+            </a:fld>
+            <a:endParaRPr lang="ru-RU"/>
+          </a:p>
+        </p:txBody>
+      </p:sp>
+    </p:spTree>
+  </p:cSld>
+  <p:clrMapOvr>
+    <a:masterClrMapping/>
+  </p:clrMapOvr>
+  <p:timing>
+    <p:tnLst>
+      <p:par>
+        <p:cTn id="1" dur="indefinite" restart="never" nodeType="tmRoot"/>
+      </p:par>
+    </p:tnLst>
+  </p:timing>
+</p:sld>
+</file>
+
+<file path=ppt/slides/slide9.xml><?xml version="1.0" encoding="utf-8"?>
+<p:sld xmlns:a="http://schemas.openxmlformats.org/drawingml/2006/main" xmlns:r="http://schemas.openxmlformats.org/officeDocument/2006/relationships" xmlns:p="http://schemas.openxmlformats.org/presentationml/2006/main">
+  <p:cSld>
+    <p:spTree>
+      <p:nvGrpSpPr>
+        <p:cNvPr id="1" name=""/>
+        <p:cNvGrpSpPr/>
+        <p:nvPr/>
+      </p:nvGrpSpPr>
+      <p:grpSpPr>
+        <a:xfrm>
+          <a:off x="0" y="0"/>
+          <a:ext cx="0" cy="0"/>
+          <a:chOff x="0" y="0"/>
+          <a:chExt cx="0" cy="0"/>
+        </a:xfrm>
+      </p:grpSpPr>
+      <p:sp>
+        <p:nvSpPr>
+          <p:cNvPr id="2" name="Заголовок 1"/>
+          <p:cNvSpPr>
+            <a:spLocks noGrp="1"/>
+          </p:cNvSpPr>
+          <p:nvPr>
+            <p:ph type="title"/>
+          </p:nvPr>
+        </p:nvSpPr>
+        <p:spPr/>
+        <p:txBody>
+          <a:bodyPr>
+            <a:normAutofit fontScale="90000"/>
+          </a:bodyPr>
+          <a:lstStyle/>
+          <a:p>
+            <a:r>
+              <a:rPr lang="ru-RU" dirty="0" smtClean="0"/>
+              <a:t>Формализация этапов генерации 2</a:t>
+            </a:r>
+            <a:r>
+              <a:rPr lang="en-US" dirty="0" smtClean="0"/>
+              <a:t>D</a:t>
+            </a:r>
+            <a:r>
+              <a:rPr lang="ru-RU" dirty="0" smtClean="0"/>
+              <a:t> маршрута</a:t>
+            </a:r>
+            <a:endParaRPr lang="ru-RU" dirty="0"/>
+          </a:p>
+        </p:txBody>
+      </p:sp>
+      <p:sp>
+        <p:nvSpPr>
+          <p:cNvPr id="4" name="Номер слайда 3"/>
+          <p:cNvSpPr>
+            <a:spLocks noGrp="1"/>
+          </p:cNvSpPr>
+          <p:nvPr>
+            <p:ph type="sldNum" sz="quarter" idx="12"/>
+          </p:nvPr>
+        </p:nvSpPr>
+        <p:spPr/>
+        <p:txBody>
+          <a:bodyPr/>
+          <a:lstStyle/>
+          <a:p>
+            <a:fld id="{3DCB63D9-3FD3-4C3B-A045-98BC1BB0B6C2}" type="slidenum">
+              <a:rPr lang="ru-RU" smtClean="0"/>
+              <a:pPr/>
               <a:t>9</a:t>
             </a:fld>
             <a:endParaRPr lang="ru-RU"/>
           </a:p>
         </p:txBody>
       </p:sp>
+      <p:pic>
+        <p:nvPicPr>
+          <p:cNvPr id="6" name="Рисунок 5"/>
+          <p:cNvPicPr/>
+          <p:nvPr/>
+        </p:nvPicPr>
+        <p:blipFill>
+          <a:blip r:embed="rId3"/>
+          <a:srcRect/>
+          <a:stretch>
+            <a:fillRect/>
+          </a:stretch>
+        </p:blipFill>
+        <p:spPr bwMode="auto">
+          <a:xfrm>
+            <a:off x="4857752" y="1571612"/>
+            <a:ext cx="3643338" cy="2000264"/>
+          </a:xfrm>
+          <a:prstGeom prst="rect">
+            <a:avLst/>
+          </a:prstGeom>
+          <a:noFill/>
+        </p:spPr>
+      </p:pic>
+      <p:cxnSp>
+        <p:nvCxnSpPr>
+          <p:cNvPr id="8" name="Прямая со стрелкой 7"/>
+          <p:cNvCxnSpPr>
+            <a:stCxn id="11" idx="3"/>
+            <a:endCxn id="6" idx="1"/>
+          </p:cNvCxnSpPr>
+          <p:nvPr/>
+        </p:nvCxnSpPr>
+        <p:spPr>
+          <a:xfrm flipV="1">
+            <a:off x="4000496" y="2571744"/>
+            <a:ext cx="857256" cy="1213"/>
+          </a:xfrm>
+          <a:prstGeom prst="straightConnector1">
+            <a:avLst/>
+          </a:prstGeom>
+          <a:ln>
+            <a:tailEnd type="arrow"/>
+          </a:ln>
+        </p:spPr>
+        <p:style>
+          <a:lnRef idx="1">
+            <a:schemeClr val="accent1"/>
+          </a:lnRef>
+          <a:fillRef idx="0">
+            <a:schemeClr val="accent1"/>
+          </a:fillRef>
+          <a:effectRef idx="0">
+            <a:schemeClr val="accent1"/>
+          </a:effectRef>
+          <a:fontRef idx="minor">
+            <a:schemeClr val="tx1"/>
+          </a:fontRef>
+        </p:style>
+      </p:cxnSp>
+      <p:cxnSp>
+        <p:nvCxnSpPr>
+          <p:cNvPr id="32" name="Прямая со стрелкой 31"/>
+          <p:cNvCxnSpPr>
+            <a:stCxn id="19" idx="1"/>
+            <a:endCxn id="29" idx="3"/>
+          </p:cNvCxnSpPr>
+          <p:nvPr/>
+        </p:nvCxnSpPr>
+        <p:spPr>
+          <a:xfrm rot="10800000">
+            <a:off x="4071934" y="5179231"/>
+            <a:ext cx="857256" cy="1588"/>
+          </a:xfrm>
+          <a:prstGeom prst="straightConnector1">
+            <a:avLst/>
+          </a:prstGeom>
+          <a:ln>
+            <a:tailEnd type="arrow"/>
+          </a:ln>
+        </p:spPr>
+        <p:style>
+          <a:lnRef idx="1">
+            <a:schemeClr val="accent1"/>
+          </a:lnRef>
+          <a:fillRef idx="0">
+            <a:schemeClr val="accent1"/>
+          </a:fillRef>
+          <a:effectRef idx="0">
+            <a:schemeClr val="accent1"/>
+          </a:effectRef>
+          <a:fontRef idx="minor">
+            <a:schemeClr val="tx1"/>
+          </a:fontRef>
+        </p:style>
+      </p:cxnSp>
+      <p:pic>
+        <p:nvPicPr>
+          <p:cNvPr id="11" name="Рисунок 10"/>
+          <p:cNvPicPr/>
+          <p:nvPr/>
+        </p:nvPicPr>
+        <p:blipFill>
+          <a:blip r:embed="rId4"/>
+          <a:srcRect/>
+          <a:stretch>
+            <a:fillRect/>
+          </a:stretch>
+        </p:blipFill>
+        <p:spPr bwMode="auto">
+          <a:xfrm>
+            <a:off x="642910" y="1571612"/>
+            <a:ext cx="3357586" cy="2002689"/>
+          </a:xfrm>
+          <a:prstGeom prst="rect">
+            <a:avLst/>
+          </a:prstGeom>
+          <a:noFill/>
+          <a:ln w="9525">
+            <a:noFill/>
+            <a:miter lim="800000"/>
+            <a:headEnd/>
+            <a:tailEnd/>
+          </a:ln>
+        </p:spPr>
+      </p:pic>
+      <p:sp>
+        <p:nvSpPr>
+          <p:cNvPr id="12" name="Содержимое 2"/>
+          <p:cNvSpPr txBox="1">
+            <a:spLocks/>
+          </p:cNvSpPr>
+          <p:nvPr/>
+        </p:nvSpPr>
+        <p:spPr>
+          <a:xfrm>
+            <a:off x="1071538" y="3714752"/>
+            <a:ext cx="2428892" cy="357190"/>
+          </a:xfrm>
+          <a:prstGeom prst="rect">
+            <a:avLst/>
+          </a:prstGeom>
+        </p:spPr>
+        <p:txBody>
+          <a:bodyPr vert="horz" lIns="91440" tIns="45720" rIns="91440" bIns="45720" rtlCol="0">
+            <a:normAutofit fontScale="55000" lnSpcReduction="20000"/>
+          </a:bodyPr>
+          <a:lstStyle/>
+          <a:p>
+            <a:pPr marL="342900" marR="0" lvl="0" indent="-342900" algn="ctr" defTabSz="914400" rtl="0" eaLnBrk="1" fontAlgn="auto" latinLnBrk="0" hangingPunct="1">
+              <a:lnSpc>
+                <a:spcPct val="100000"/>
+              </a:lnSpc>
+              <a:spcBef>
+                <a:spcPct val="20000"/>
+              </a:spcBef>
+              <a:spcAft>
+                <a:spcPts val="0"/>
+              </a:spcAft>
+              <a:buClrTx/>
+              <a:buSzTx/>
+              <a:buFont typeface="Arial" pitchFamily="34" charset="0"/>
+              <a:buNone/>
+              <a:tabLst/>
+              <a:defRPr/>
+            </a:pPr>
+            <a:r>
+              <a:rPr lang="ru-RU" sz="3200" dirty="0" smtClean="0"/>
+              <a:t>Модель пространства</a:t>
+            </a:r>
+            <a:endParaRPr kumimoji="0" lang="ru-RU" sz="3200" b="0" i="0" u="none" strike="noStrike" kern="1200" cap="none" spc="0" normalizeH="0" baseline="0" noProof="0" dirty="0" smtClean="0">
+              <a:ln>
+                <a:noFill/>
+              </a:ln>
+              <a:solidFill>
+                <a:schemeClr val="tx1"/>
+              </a:solidFill>
+              <a:effectLst/>
+              <a:uLnTx/>
+              <a:uFillTx/>
+              <a:latin typeface="+mn-lt"/>
+              <a:ea typeface="+mn-ea"/>
+              <a:cs typeface="+mn-cs"/>
+            </a:endParaRPr>
+          </a:p>
+        </p:txBody>
+      </p:sp>
+      <p:sp>
+        <p:nvSpPr>
+          <p:cNvPr id="18" name="Содержимое 2"/>
+          <p:cNvSpPr txBox="1">
+            <a:spLocks/>
+          </p:cNvSpPr>
+          <p:nvPr/>
+        </p:nvSpPr>
+        <p:spPr>
+          <a:xfrm>
+            <a:off x="4500562" y="3643314"/>
+            <a:ext cx="4357718" cy="285752"/>
+          </a:xfrm>
+          <a:prstGeom prst="rect">
+            <a:avLst/>
+          </a:prstGeom>
+        </p:spPr>
+        <p:txBody>
+          <a:bodyPr vert="horz" lIns="91440" tIns="45720" rIns="91440" bIns="45720" rtlCol="0">
+            <a:noAutofit/>
+          </a:bodyPr>
+          <a:lstStyle/>
+          <a:p>
+            <a:pPr marL="342900" marR="0" lvl="0" indent="-342900" algn="ctr" defTabSz="914400" rtl="0" eaLnBrk="1" fontAlgn="auto" latinLnBrk="0" hangingPunct="1">
+              <a:lnSpc>
+                <a:spcPct val="100000"/>
+              </a:lnSpc>
+              <a:spcBef>
+                <a:spcPct val="20000"/>
+              </a:spcBef>
+              <a:spcAft>
+                <a:spcPts val="0"/>
+              </a:spcAft>
+              <a:buClrTx/>
+              <a:buSzTx/>
+              <a:buFont typeface="Arial" pitchFamily="34" charset="0"/>
+              <a:buNone/>
+              <a:tabLst/>
+              <a:defRPr/>
+            </a:pPr>
+            <a:r>
+              <a:rPr lang="ru-RU" dirty="0" smtClean="0"/>
+              <a:t>Формализация пространства в виде графа</a:t>
+            </a:r>
+            <a:endParaRPr kumimoji="0" lang="ru-RU" b="0" i="0" u="none" strike="noStrike" kern="1200" cap="none" spc="0" normalizeH="0" baseline="0" noProof="0" dirty="0" smtClean="0">
+              <a:ln>
+                <a:noFill/>
+              </a:ln>
+              <a:solidFill>
+                <a:schemeClr val="tx1"/>
+              </a:solidFill>
+              <a:effectLst/>
+              <a:uLnTx/>
+              <a:uFillTx/>
+              <a:latin typeface="+mn-lt"/>
+              <a:ea typeface="+mn-ea"/>
+              <a:cs typeface="+mn-cs"/>
+            </a:endParaRPr>
+          </a:p>
+        </p:txBody>
+      </p:sp>
+      <p:pic>
+        <p:nvPicPr>
+          <p:cNvPr id="19" name="Рисунок 18"/>
+          <p:cNvPicPr/>
+          <p:nvPr/>
+        </p:nvPicPr>
+        <p:blipFill>
+          <a:blip r:embed="rId5"/>
+          <a:srcRect/>
+          <a:stretch>
+            <a:fillRect/>
+          </a:stretch>
+        </p:blipFill>
+        <p:spPr bwMode="auto">
+          <a:xfrm>
+            <a:off x="4929190" y="4214818"/>
+            <a:ext cx="3500462" cy="1928826"/>
+          </a:xfrm>
+          <a:prstGeom prst="rect">
+            <a:avLst/>
+          </a:prstGeom>
+          <a:noFill/>
+          <a:ln w="9525">
+            <a:noFill/>
+            <a:miter lim="800000"/>
+            <a:headEnd/>
+            <a:tailEnd/>
+          </a:ln>
+        </p:spPr>
+      </p:pic>
+      <p:sp>
+        <p:nvSpPr>
+          <p:cNvPr id="27" name="Содержимое 2"/>
+          <p:cNvSpPr txBox="1">
+            <a:spLocks/>
+          </p:cNvSpPr>
+          <p:nvPr/>
+        </p:nvSpPr>
+        <p:spPr>
+          <a:xfrm>
+            <a:off x="5214942" y="6357958"/>
+            <a:ext cx="3071834" cy="285752"/>
+          </a:xfrm>
+          <a:prstGeom prst="rect">
+            <a:avLst/>
+          </a:prstGeom>
+        </p:spPr>
+        <p:txBody>
+          <a:bodyPr vert="horz" lIns="91440" tIns="45720" rIns="91440" bIns="45720" rtlCol="0">
+            <a:noAutofit/>
+          </a:bodyPr>
+          <a:lstStyle/>
+          <a:p>
+            <a:pPr marL="342900" marR="0" lvl="0" indent="-342900" algn="ctr" defTabSz="914400" rtl="0" eaLnBrk="1" fontAlgn="auto" latinLnBrk="0" hangingPunct="1">
+              <a:lnSpc>
+                <a:spcPct val="100000"/>
+              </a:lnSpc>
+              <a:spcBef>
+                <a:spcPct val="20000"/>
+              </a:spcBef>
+              <a:spcAft>
+                <a:spcPts val="0"/>
+              </a:spcAft>
+              <a:buClrTx/>
+              <a:buSzTx/>
+              <a:buFont typeface="Arial" pitchFamily="34" charset="0"/>
+              <a:buNone/>
+              <a:tabLst/>
+              <a:defRPr/>
+            </a:pPr>
+            <a:r>
+              <a:rPr lang="ru-RU" dirty="0" smtClean="0"/>
+              <a:t>Нахождение пути на графе</a:t>
+            </a:r>
+            <a:endParaRPr kumimoji="0" lang="ru-RU" b="0" i="0" u="none" strike="noStrike" kern="1200" cap="none" spc="0" normalizeH="0" baseline="0" noProof="0" dirty="0" smtClean="0">
+              <a:ln>
+                <a:noFill/>
+              </a:ln>
+              <a:solidFill>
+                <a:schemeClr val="tx1"/>
+              </a:solidFill>
+              <a:effectLst/>
+              <a:uLnTx/>
+              <a:uFillTx/>
+              <a:latin typeface="+mn-lt"/>
+              <a:ea typeface="+mn-ea"/>
+              <a:cs typeface="+mn-cs"/>
+            </a:endParaRPr>
+          </a:p>
+        </p:txBody>
+      </p:sp>
+      <p:sp>
+        <p:nvSpPr>
+          <p:cNvPr id="28" name="Содержимое 2"/>
+          <p:cNvSpPr txBox="1">
+            <a:spLocks/>
+          </p:cNvSpPr>
+          <p:nvPr/>
+        </p:nvSpPr>
+        <p:spPr>
+          <a:xfrm>
+            <a:off x="785786" y="6357958"/>
+            <a:ext cx="3071834" cy="285752"/>
+          </a:xfrm>
+          <a:prstGeom prst="rect">
+            <a:avLst/>
+          </a:prstGeom>
+        </p:spPr>
+        <p:txBody>
+          <a:bodyPr vert="horz" lIns="91440" tIns="45720" rIns="91440" bIns="45720" rtlCol="0">
+            <a:noAutofit/>
+          </a:bodyPr>
+          <a:lstStyle/>
+          <a:p>
+            <a:pPr marL="342900" marR="0" lvl="0" indent="-342900" algn="ctr" defTabSz="914400" rtl="0" eaLnBrk="1" fontAlgn="auto" latinLnBrk="0" hangingPunct="1">
+              <a:lnSpc>
+                <a:spcPct val="100000"/>
+              </a:lnSpc>
+              <a:spcBef>
+                <a:spcPct val="20000"/>
+              </a:spcBef>
+              <a:spcAft>
+                <a:spcPts val="0"/>
+              </a:spcAft>
+              <a:buClrTx/>
+              <a:buSzTx/>
+              <a:buFont typeface="Arial" pitchFamily="34" charset="0"/>
+              <a:buNone/>
+              <a:tabLst/>
+              <a:defRPr/>
+            </a:pPr>
+            <a:r>
+              <a:rPr lang="ru-RU" dirty="0" smtClean="0"/>
+              <a:t>Визуализация маршрута</a:t>
+            </a:r>
+            <a:endParaRPr kumimoji="0" lang="ru-RU" b="0" i="0" u="none" strike="noStrike" kern="1200" cap="none" spc="0" normalizeH="0" baseline="0" noProof="0" dirty="0" smtClean="0">
+              <a:ln>
+                <a:noFill/>
+              </a:ln>
+              <a:solidFill>
+                <a:schemeClr val="tx1"/>
+              </a:solidFill>
+              <a:effectLst/>
+              <a:uLnTx/>
+              <a:uFillTx/>
+              <a:latin typeface="+mn-lt"/>
+              <a:ea typeface="+mn-ea"/>
+              <a:cs typeface="+mn-cs"/>
+            </a:endParaRPr>
+          </a:p>
+        </p:txBody>
+      </p:sp>
+      <p:pic>
+        <p:nvPicPr>
+          <p:cNvPr id="29" name="Рисунок 28"/>
+          <p:cNvPicPr/>
+          <p:nvPr/>
+        </p:nvPicPr>
+        <p:blipFill>
+          <a:blip r:embed="rId6"/>
+          <a:srcRect/>
+          <a:stretch>
+            <a:fillRect/>
+          </a:stretch>
+        </p:blipFill>
+        <p:spPr bwMode="auto">
+          <a:xfrm>
+            <a:off x="571472" y="3929066"/>
+            <a:ext cx="3500462" cy="2500330"/>
+          </a:xfrm>
+          <a:prstGeom prst="rect">
+            <a:avLst/>
+          </a:prstGeom>
+          <a:noFill/>
+          <a:ln w="9525">
+            <a:noFill/>
+            <a:miter lim="800000"/>
+            <a:headEnd/>
+            <a:tailEnd/>
+          </a:ln>
+        </p:spPr>
+      </p:pic>
+      <p:cxnSp>
+        <p:nvCxnSpPr>
+          <p:cNvPr id="37" name="Прямая со стрелкой 36"/>
+          <p:cNvCxnSpPr>
+            <a:stCxn id="6" idx="2"/>
+            <a:endCxn id="19" idx="0"/>
+          </p:cNvCxnSpPr>
+          <p:nvPr/>
+        </p:nvCxnSpPr>
+        <p:spPr>
+          <a:xfrm rot="5400000">
+            <a:off x="6357950" y="3893347"/>
+            <a:ext cx="642942" cy="1588"/>
+          </a:xfrm>
+          <a:prstGeom prst="straightConnector1">
+            <a:avLst/>
+          </a:prstGeom>
+          <a:ln>
+            <a:tailEnd type="arrow"/>
+          </a:ln>
+        </p:spPr>
+        <p:style>
+          <a:lnRef idx="1">
+            <a:schemeClr val="accent1"/>
+          </a:lnRef>
+          <a:fillRef idx="0">
+            <a:schemeClr val="accent1"/>
+          </a:fillRef>
+          <a:effectRef idx="0">
+            <a:schemeClr val="accent1"/>
+          </a:effectRef>
+          <a:fontRef idx="minor">
+            <a:schemeClr val="tx1"/>
+          </a:fontRef>
+        </p:style>
+      </p:cxnSp>
     </p:spTree>
   </p:cSld>
   <p:clrMapOvr>
